--- a/project3/Project 3 Shaken (not stirred).pptx
+++ b/project3/Project 3 Shaken (not stirred).pptx
@@ -5,24 +5,28 @@
     <p:sldMasterId id="2147483735" r:id="rId4"/>
   </p:sldMasterIdLst>
   <p:notesMasterIdLst>
-    <p:notesMasterId r:id="rId20"/>
+    <p:notesMasterId r:id="rId24"/>
   </p:notesMasterIdLst>
   <p:sldIdLst>
     <p:sldId id="256" r:id="rId5"/>
     <p:sldId id="257" r:id="rId6"/>
     <p:sldId id="264" r:id="rId7"/>
-    <p:sldId id="265" r:id="rId8"/>
-    <p:sldId id="266" r:id="rId9"/>
-    <p:sldId id="267" r:id="rId10"/>
-    <p:sldId id="268" r:id="rId11"/>
-    <p:sldId id="269" r:id="rId12"/>
-    <p:sldId id="270" r:id="rId13"/>
-    <p:sldId id="271" r:id="rId14"/>
-    <p:sldId id="272" r:id="rId15"/>
-    <p:sldId id="273" r:id="rId16"/>
-    <p:sldId id="274" r:id="rId17"/>
-    <p:sldId id="275" r:id="rId18"/>
-    <p:sldId id="276" r:id="rId19"/>
+    <p:sldId id="279" r:id="rId8"/>
+    <p:sldId id="265" r:id="rId9"/>
+    <p:sldId id="266" r:id="rId10"/>
+    <p:sldId id="267" r:id="rId11"/>
+    <p:sldId id="268" r:id="rId12"/>
+    <p:sldId id="269" r:id="rId13"/>
+    <p:sldId id="270" r:id="rId14"/>
+    <p:sldId id="278" r:id="rId15"/>
+    <p:sldId id="271" r:id="rId16"/>
+    <p:sldId id="277" r:id="rId17"/>
+    <p:sldId id="272" r:id="rId18"/>
+    <p:sldId id="280" r:id="rId19"/>
+    <p:sldId id="273" r:id="rId20"/>
+    <p:sldId id="274" r:id="rId21"/>
+    <p:sldId id="275" r:id="rId22"/>
+    <p:sldId id="276" r:id="rId23"/>
   </p:sldIdLst>
   <p:sldSz cx="12192000" cy="6858000"/>
   <p:notesSz cx="6858000" cy="9144000"/>
@@ -137,161 +141,6 @@
 </p1510:revInfo>
 </file>
 
-<file path=ppt/changesInfos/changesInfo1.xml><?xml version="1.0" encoding="utf-8"?>
-<pc:chgInfo xmlns:a="http://schemas.openxmlformats.org/drawingml/2006/main" xmlns:r="http://schemas.openxmlformats.org/officeDocument/2006/relationships" xmlns:ac="http://schemas.microsoft.com/office/drawing/2013/main/command" xmlns:pc="http://schemas.microsoft.com/office/powerpoint/2013/main/command">
-  <pc:docChgLst>
-    <pc:chgData name="Torgrim Odde" userId="263d2d9e-d662-4ecd-84e3-6377197a8522" providerId="ADAL" clId="{F19F3179-E777-480F-BD2C-D9A8F24E3506}"/>
-    <pc:docChg chg="undo custSel addSld modSld">
-      <pc:chgData name="Torgrim Odde" userId="263d2d9e-d662-4ecd-84e3-6377197a8522" providerId="ADAL" clId="{F19F3179-E777-480F-BD2C-D9A8F24E3506}" dt="2025-11-11T20:24:13.800" v="4273" actId="20577"/>
-      <pc:docMkLst>
-        <pc:docMk/>
-      </pc:docMkLst>
-      <pc:sldChg chg="modNotesTx">
-        <pc:chgData name="Torgrim Odde" userId="263d2d9e-d662-4ecd-84e3-6377197a8522" providerId="ADAL" clId="{F19F3179-E777-480F-BD2C-D9A8F24E3506}" dt="2025-11-11T20:15:18.773" v="3899" actId="20577"/>
-        <pc:sldMkLst>
-          <pc:docMk/>
-          <pc:sldMk cId="974668571" sldId="256"/>
-        </pc:sldMkLst>
-      </pc:sldChg>
-      <pc:sldChg chg="modNotesTx">
-        <pc:chgData name="Torgrim Odde" userId="263d2d9e-d662-4ecd-84e3-6377197a8522" providerId="ADAL" clId="{F19F3179-E777-480F-BD2C-D9A8F24E3506}" dt="2025-11-11T20:15:25.672" v="3903" actId="20577"/>
-        <pc:sldMkLst>
-          <pc:docMk/>
-          <pc:sldMk cId="2028096766" sldId="257"/>
-        </pc:sldMkLst>
-      </pc:sldChg>
-      <pc:sldChg chg="modNotesTx">
-        <pc:chgData name="Torgrim Odde" userId="263d2d9e-d662-4ecd-84e3-6377197a8522" providerId="ADAL" clId="{F19F3179-E777-480F-BD2C-D9A8F24E3506}" dt="2025-11-11T19:50:12.324" v="1086" actId="20577"/>
-        <pc:sldMkLst>
-          <pc:docMk/>
-          <pc:sldMk cId="973795824" sldId="264"/>
-        </pc:sldMkLst>
-      </pc:sldChg>
-      <pc:sldChg chg="modNotesTx">
-        <pc:chgData name="Torgrim Odde" userId="263d2d9e-d662-4ecd-84e3-6377197a8522" providerId="ADAL" clId="{F19F3179-E777-480F-BD2C-D9A8F24E3506}" dt="2025-11-11T20:17:31.055" v="3966" actId="20577"/>
-        <pc:sldMkLst>
-          <pc:docMk/>
-          <pc:sldMk cId="726462619" sldId="265"/>
-        </pc:sldMkLst>
-      </pc:sldChg>
-      <pc:sldChg chg="modNotesTx">
-        <pc:chgData name="Torgrim Odde" userId="263d2d9e-d662-4ecd-84e3-6377197a8522" providerId="ADAL" clId="{F19F3179-E777-480F-BD2C-D9A8F24E3506}" dt="2025-11-11T19:56:15.113" v="1637" actId="20577"/>
-        <pc:sldMkLst>
-          <pc:docMk/>
-          <pc:sldMk cId="1533562257" sldId="266"/>
-        </pc:sldMkLst>
-      </pc:sldChg>
-      <pc:sldChg chg="modNotesTx">
-        <pc:chgData name="Torgrim Odde" userId="263d2d9e-d662-4ecd-84e3-6377197a8522" providerId="ADAL" clId="{F19F3179-E777-480F-BD2C-D9A8F24E3506}" dt="2025-11-11T20:18:41.373" v="3968" actId="15"/>
-        <pc:sldMkLst>
-          <pc:docMk/>
-          <pc:sldMk cId="233139722" sldId="267"/>
-        </pc:sldMkLst>
-      </pc:sldChg>
-      <pc:sldChg chg="modNotesTx">
-        <pc:chgData name="Torgrim Odde" userId="263d2d9e-d662-4ecd-84e3-6377197a8522" providerId="ADAL" clId="{F19F3179-E777-480F-BD2C-D9A8F24E3506}" dt="2025-11-11T20:18:50.571" v="3970" actId="20577"/>
-        <pc:sldMkLst>
-          <pc:docMk/>
-          <pc:sldMk cId="2567844217" sldId="268"/>
-        </pc:sldMkLst>
-      </pc:sldChg>
-      <pc:sldChg chg="addSp delSp modSp mod modNotesTx">
-        <pc:chgData name="Torgrim Odde" userId="263d2d9e-d662-4ecd-84e3-6377197a8522" providerId="ADAL" clId="{F19F3179-E777-480F-BD2C-D9A8F24E3506}" dt="2025-11-11T20:24:13.800" v="4273" actId="20577"/>
-        <pc:sldMkLst>
-          <pc:docMk/>
-          <pc:sldMk cId="2927373108" sldId="273"/>
-        </pc:sldMkLst>
-        <pc:spChg chg="mod">
-          <ac:chgData name="Torgrim Odde" userId="263d2d9e-d662-4ecd-84e3-6377197a8522" providerId="ADAL" clId="{F19F3179-E777-480F-BD2C-D9A8F24E3506}" dt="2025-11-11T20:03:09.094" v="2517" actId="20577"/>
-          <ac:spMkLst>
-            <pc:docMk/>
-            <pc:sldMk cId="2927373108" sldId="273"/>
-            <ac:spMk id="3" creationId="{104DB93C-AEC4-1BDC-1891-9B27B0C46693}"/>
-          </ac:spMkLst>
-        </pc:spChg>
-        <pc:picChg chg="del">
-          <ac:chgData name="Torgrim Odde" userId="263d2d9e-d662-4ecd-84e3-6377197a8522" providerId="ADAL" clId="{F19F3179-E777-480F-BD2C-D9A8F24E3506}" dt="2025-11-11T19:39:37.768" v="130" actId="478"/>
-          <ac:picMkLst>
-            <pc:docMk/>
-            <pc:sldMk cId="2927373108" sldId="273"/>
-            <ac:picMk id="6" creationId="{A91EB38F-5970-1BDC-7C07-CE0F9BBB038F}"/>
-          </ac:picMkLst>
-        </pc:picChg>
-        <pc:picChg chg="add del mod">
-          <ac:chgData name="Torgrim Odde" userId="263d2d9e-d662-4ecd-84e3-6377197a8522" providerId="ADAL" clId="{F19F3179-E777-480F-BD2C-D9A8F24E3506}" dt="2025-11-11T20:04:12.125" v="2612" actId="1076"/>
-          <ac:picMkLst>
-            <pc:docMk/>
-            <pc:sldMk cId="2927373108" sldId="273"/>
-            <ac:picMk id="8" creationId="{A3BC2834-7929-B9D3-24FA-C675755E70FC}"/>
-          </ac:picMkLst>
-        </pc:picChg>
-        <pc:picChg chg="add del mod">
-          <ac:chgData name="Torgrim Odde" userId="263d2d9e-d662-4ecd-84e3-6377197a8522" providerId="ADAL" clId="{F19F3179-E777-480F-BD2C-D9A8F24E3506}" dt="2025-11-11T20:04:07.199" v="2609" actId="22"/>
-          <ac:picMkLst>
-            <pc:docMk/>
-            <pc:sldMk cId="2927373108" sldId="273"/>
-            <ac:picMk id="10" creationId="{F7503E6C-9DE1-5735-D241-5D30D4D33349}"/>
-          </ac:picMkLst>
-        </pc:picChg>
-        <pc:picChg chg="add mod">
-          <ac:chgData name="Torgrim Odde" userId="263d2d9e-d662-4ecd-84e3-6377197a8522" providerId="ADAL" clId="{F19F3179-E777-480F-BD2C-D9A8F24E3506}" dt="2025-11-11T20:04:15.889" v="2614" actId="1076"/>
-          <ac:picMkLst>
-            <pc:docMk/>
-            <pc:sldMk cId="2927373108" sldId="273"/>
-            <ac:picMk id="14" creationId="{0245B91A-9ED5-0C7A-03DE-AC2E2DAA6D44}"/>
-          </ac:picMkLst>
-        </pc:picChg>
-      </pc:sldChg>
-      <pc:sldChg chg="modNotesTx">
-        <pc:chgData name="Torgrim Odde" userId="263d2d9e-d662-4ecd-84e3-6377197a8522" providerId="ADAL" clId="{F19F3179-E777-480F-BD2C-D9A8F24E3506}" dt="2025-11-11T20:21:13.755" v="4019" actId="20577"/>
-        <pc:sldMkLst>
-          <pc:docMk/>
-          <pc:sldMk cId="554394612" sldId="274"/>
-        </pc:sldMkLst>
-      </pc:sldChg>
-      <pc:sldChg chg="modSp mod modNotesTx">
-        <pc:chgData name="Torgrim Odde" userId="263d2d9e-d662-4ecd-84e3-6377197a8522" providerId="ADAL" clId="{F19F3179-E777-480F-BD2C-D9A8F24E3506}" dt="2025-11-11T20:23:19.391" v="4201" actId="20577"/>
-        <pc:sldMkLst>
-          <pc:docMk/>
-          <pc:sldMk cId="3419326053" sldId="275"/>
-        </pc:sldMkLst>
-        <pc:spChg chg="mod">
-          <ac:chgData name="Torgrim Odde" userId="263d2d9e-d662-4ecd-84e3-6377197a8522" providerId="ADAL" clId="{F19F3179-E777-480F-BD2C-D9A8F24E3506}" dt="2025-11-11T19:26:06.510" v="4"/>
-          <ac:spMkLst>
-            <pc:docMk/>
-            <pc:sldMk cId="3419326053" sldId="275"/>
-            <ac:spMk id="2" creationId="{6FCDD8BC-983E-EA4D-D277-B14FE06E32C4}"/>
-          </ac:spMkLst>
-        </pc:spChg>
-      </pc:sldChg>
-      <pc:sldChg chg="modSp new mod modNotesTx">
-        <pc:chgData name="Torgrim Odde" userId="263d2d9e-d662-4ecd-84e3-6377197a8522" providerId="ADAL" clId="{F19F3179-E777-480F-BD2C-D9A8F24E3506}" dt="2025-11-11T20:11:41.761" v="3791" actId="20577"/>
-        <pc:sldMkLst>
-          <pc:docMk/>
-          <pc:sldMk cId="1505925696" sldId="276"/>
-        </pc:sldMkLst>
-        <pc:spChg chg="mod">
-          <ac:chgData name="Torgrim Odde" userId="263d2d9e-d662-4ecd-84e3-6377197a8522" providerId="ADAL" clId="{F19F3179-E777-480F-BD2C-D9A8F24E3506}" dt="2025-11-11T19:26:12.004" v="17" actId="20577"/>
-          <ac:spMkLst>
-            <pc:docMk/>
-            <pc:sldMk cId="1505925696" sldId="276"/>
-            <ac:spMk id="2" creationId="{5F3BA311-DAD9-D87A-EAA7-D830F328AE45}"/>
-          </ac:spMkLst>
-        </pc:spChg>
-        <pc:spChg chg="mod">
-          <ac:chgData name="Torgrim Odde" userId="263d2d9e-d662-4ecd-84e3-6377197a8522" providerId="ADAL" clId="{F19F3179-E777-480F-BD2C-D9A8F24E3506}" dt="2025-11-11T19:27:18.300" v="129" actId="20577"/>
-          <ac:spMkLst>
-            <pc:docMk/>
-            <pc:sldMk cId="1505925696" sldId="276"/>
-            <ac:spMk id="3" creationId="{8588ED80-8581-A66A-910A-8B2452464ACF}"/>
-          </ac:spMkLst>
-        </pc:spChg>
-      </pc:sldChg>
-    </pc:docChg>
-  </pc:docChgLst>
-</pc:chgInfo>
-</file>
-
 <file path=ppt/notesMasters/notesMaster1.xml><?xml version="1.0" encoding="utf-8"?>
 <p:notesMaster xmlns:a="http://schemas.openxmlformats.org/drawingml/2006/main" xmlns:r="http://schemas.openxmlformats.org/officeDocument/2006/relationships" xmlns:p="http://schemas.openxmlformats.org/presentationml/2006/main">
   <p:cSld>
@@ -374,7 +223,7 @@
           <a:p>
             <a:fld id="{FF7ED373-BAD1-4F47-AB59-36CCC457D4C9}" type="datetimeFigureOut">
               <a:rPr lang="en-US" smtClean="0"/>
-              <a:t>11/11/2025</a:t>
+              <a:t>11/12/2025</a:t>
             </a:fld>
             <a:endParaRPr lang="en-US"/>
           </a:p>
@@ -774,49 +623,277 @@
           <a:lstStyle/>
           <a:p>
             <a:r>
-              <a:rPr lang="en-US" dirty="0"/>
-              <a:t>Malvin talking points (?)</a:t>
-            </a:r>
-          </a:p>
-          <a:p>
-            <a:pPr marL="171450" indent="-171450">
-              <a:buFont typeface="Arial" panose="020B0604020202020204" pitchFamily="34" charset="0"/>
-              <a:buChar char="•"/>
-            </a:pPr>
-            <a:r>
-              <a:rPr lang="en-US" dirty="0"/>
-              <a:t>We optimize n and tau to minimize the SSR (sum of squared residuals)</a:t>
-            </a:r>
-          </a:p>
-          <a:p>
-            <a:pPr marL="628650" lvl="1" indent="-171450">
-              <a:buFont typeface="Arial" panose="020B0604020202020204" pitchFamily="34" charset="0"/>
-              <a:buChar char="•"/>
-            </a:pPr>
-            <a:r>
-              <a:rPr lang="en-US" dirty="0"/>
-              <a:t>Best fit was found at n = 49, tau = 2.3, meaning the flow behaves nearly like plug flow (no back-mixing, constant velocity)</a:t>
-            </a:r>
-          </a:p>
-          <a:p>
-            <a:pPr marL="1085850" lvl="2" indent="-171450">
-              <a:buFont typeface="Arial" panose="020B0604020202020204" pitchFamily="34" charset="0"/>
-              <a:buChar char="•"/>
-            </a:pPr>
-            <a:r>
-              <a:rPr lang="en-US" dirty="0"/>
-              <a:t>As expected with a healthy aorta</a:t>
-            </a:r>
-          </a:p>
-          <a:p>
-            <a:pPr marL="628650" lvl="1" indent="-171450">
-              <a:buFont typeface="Arial" panose="020B0604020202020204" pitchFamily="34" charset="0"/>
-              <a:buChar char="•"/>
-            </a:pPr>
-            <a:r>
-              <a:rPr lang="en-US" dirty="0"/>
-              <a:t>The model reproduces the CFD outlet concentration with very good accuracy</a:t>
-            </a:r>
+              <a:rPr lang="nb-NO" dirty="0" err="1"/>
+              <a:t>We</a:t>
+            </a:r>
+            <a:r>
+              <a:rPr lang="nb-NO" dirty="0"/>
+              <a:t> </a:t>
+            </a:r>
+            <a:r>
+              <a:rPr lang="nb-NO" dirty="0" err="1"/>
+              <a:t>want</a:t>
+            </a:r>
+            <a:r>
+              <a:rPr lang="nb-NO" dirty="0"/>
+              <a:t> to </a:t>
+            </a:r>
+            <a:r>
+              <a:rPr lang="nb-NO" dirty="0" err="1"/>
+              <a:t>find</a:t>
+            </a:r>
+            <a:r>
+              <a:rPr lang="nb-NO" dirty="0"/>
+              <a:t> </a:t>
+            </a:r>
+            <a:r>
+              <a:rPr lang="nb-NO" dirty="0" err="1"/>
+              <a:t>the</a:t>
+            </a:r>
+            <a:r>
+              <a:rPr lang="nb-NO" dirty="0"/>
+              <a:t> optimal tau and n to </a:t>
+            </a:r>
+            <a:r>
+              <a:rPr lang="nb-NO" dirty="0" err="1"/>
+              <a:t>minimize</a:t>
+            </a:r>
+            <a:r>
+              <a:rPr lang="nb-NO" dirty="0"/>
+              <a:t> SSR </a:t>
+            </a:r>
+            <a:r>
+              <a:rPr lang="nb-NO" dirty="0" err="1"/>
+              <a:t>of</a:t>
+            </a:r>
+            <a:r>
+              <a:rPr lang="nb-NO" dirty="0"/>
+              <a:t> </a:t>
+            </a:r>
+            <a:r>
+              <a:rPr lang="nb-NO" dirty="0" err="1"/>
+              <a:t>the</a:t>
+            </a:r>
+            <a:r>
+              <a:rPr lang="nb-NO" dirty="0"/>
+              <a:t> </a:t>
+            </a:r>
+            <a:r>
+              <a:rPr lang="nb-NO" dirty="0" err="1"/>
+              <a:t>model</a:t>
+            </a:r>
+            <a:r>
+              <a:rPr lang="nb-NO" dirty="0"/>
+              <a:t> to </a:t>
+            </a:r>
+            <a:r>
+              <a:rPr lang="nb-NO" dirty="0" err="1"/>
+              <a:t>the</a:t>
+            </a:r>
+            <a:r>
+              <a:rPr lang="nb-NO" dirty="0"/>
+              <a:t> data. To </a:t>
+            </a:r>
+            <a:r>
+              <a:rPr lang="nb-NO" dirty="0" err="1"/>
+              <a:t>find</a:t>
+            </a:r>
+            <a:r>
+              <a:rPr lang="nb-NO" dirty="0"/>
+              <a:t> </a:t>
+            </a:r>
+            <a:r>
+              <a:rPr lang="nb-NO" dirty="0" err="1"/>
+              <a:t>the</a:t>
+            </a:r>
+            <a:r>
+              <a:rPr lang="nb-NO" dirty="0"/>
+              <a:t> optimal tau and </a:t>
+            </a:r>
+            <a:r>
+              <a:rPr lang="nb-NO" dirty="0" err="1"/>
+              <a:t>number</a:t>
+            </a:r>
+            <a:r>
+              <a:rPr lang="nb-NO" dirty="0"/>
+              <a:t> </a:t>
+            </a:r>
+            <a:r>
+              <a:rPr lang="nb-NO" dirty="0" err="1"/>
+              <a:t>of</a:t>
+            </a:r>
+            <a:r>
+              <a:rPr lang="nb-NO" dirty="0"/>
+              <a:t> </a:t>
+            </a:r>
+            <a:r>
+              <a:rPr lang="nb-NO" dirty="0" err="1"/>
+              <a:t>compartments</a:t>
+            </a:r>
+            <a:r>
+              <a:rPr lang="nb-NO" dirty="0"/>
+              <a:t> </a:t>
+            </a:r>
+            <a:r>
+              <a:rPr lang="nb-NO" dirty="0" err="1"/>
+              <a:t>we</a:t>
+            </a:r>
+            <a:r>
+              <a:rPr lang="nb-NO" dirty="0"/>
+              <a:t> </a:t>
+            </a:r>
+            <a:r>
+              <a:rPr lang="nb-NO" dirty="0" err="1"/>
+              <a:t>are</a:t>
+            </a:r>
+            <a:r>
+              <a:rPr lang="nb-NO" dirty="0"/>
+              <a:t> first </a:t>
+            </a:r>
+            <a:r>
+              <a:rPr lang="nb-NO" dirty="0" err="1"/>
+              <a:t>creating</a:t>
+            </a:r>
+            <a:r>
+              <a:rPr lang="nb-NO" dirty="0"/>
+              <a:t> a </a:t>
+            </a:r>
+            <a:r>
+              <a:rPr lang="nb-NO" dirty="0" err="1"/>
+              <a:t>function</a:t>
+            </a:r>
+            <a:r>
+              <a:rPr lang="nb-NO" dirty="0"/>
+              <a:t> </a:t>
+            </a:r>
+            <a:r>
+              <a:rPr lang="nb-NO" dirty="0" err="1"/>
+              <a:t>that</a:t>
+            </a:r>
+            <a:r>
+              <a:rPr lang="nb-NO" dirty="0"/>
+              <a:t> </a:t>
+            </a:r>
+            <a:r>
+              <a:rPr lang="nb-NO" dirty="0" err="1"/>
+              <a:t>finds</a:t>
+            </a:r>
+            <a:r>
+              <a:rPr lang="nb-NO" dirty="0"/>
+              <a:t> </a:t>
+            </a:r>
+            <a:r>
+              <a:rPr lang="nb-NO" dirty="0" err="1"/>
+              <a:t>the</a:t>
+            </a:r>
+            <a:r>
+              <a:rPr lang="nb-NO" dirty="0"/>
+              <a:t> optimal tau, i.e. </a:t>
+            </a:r>
+            <a:r>
+              <a:rPr lang="nb-NO" dirty="0" err="1"/>
+              <a:t>when</a:t>
+            </a:r>
+            <a:r>
+              <a:rPr lang="nb-NO" dirty="0"/>
+              <a:t> </a:t>
+            </a:r>
+            <a:r>
+              <a:rPr lang="nb-NO" dirty="0" err="1"/>
+              <a:t>the</a:t>
+            </a:r>
+            <a:r>
+              <a:rPr lang="nb-NO" dirty="0"/>
+              <a:t> derivative over tau is zero, </a:t>
+            </a:r>
+            <a:r>
+              <a:rPr lang="nb-NO" dirty="0" err="1"/>
+              <a:t>using</a:t>
+            </a:r>
+            <a:r>
+              <a:rPr lang="nb-NO" dirty="0"/>
+              <a:t> </a:t>
+            </a:r>
+            <a:r>
+              <a:rPr lang="nb-NO" dirty="0" err="1"/>
+              <a:t>secant</a:t>
+            </a:r>
+            <a:r>
+              <a:rPr lang="nb-NO" dirty="0"/>
+              <a:t> </a:t>
+            </a:r>
+            <a:r>
+              <a:rPr lang="nb-NO" dirty="0" err="1"/>
+              <a:t>method</a:t>
+            </a:r>
+            <a:endParaRPr lang="nb-NO" dirty="0"/>
+          </a:p>
+          <a:p>
+            <a:r>
+              <a:rPr lang="nb-NO" dirty="0" err="1"/>
+              <a:t>Comment</a:t>
+            </a:r>
+            <a:r>
+              <a:rPr lang="nb-NO" dirty="0"/>
+              <a:t> </a:t>
+            </a:r>
+            <a:r>
+              <a:rPr lang="nb-NO" dirty="0" err="1"/>
+              <a:t>on</a:t>
+            </a:r>
+            <a:r>
+              <a:rPr lang="nb-NO" dirty="0"/>
+              <a:t> </a:t>
+            </a:r>
+            <a:r>
+              <a:rPr lang="nb-NO" dirty="0" err="1"/>
+              <a:t>the</a:t>
+            </a:r>
+            <a:r>
+              <a:rPr lang="nb-NO" dirty="0"/>
+              <a:t> </a:t>
+            </a:r>
+            <a:r>
+              <a:rPr lang="nb-NO" dirty="0" err="1"/>
+              <a:t>functions</a:t>
+            </a:r>
+            <a:r>
+              <a:rPr lang="nb-NO" dirty="0"/>
+              <a:t>. F in </a:t>
+            </a:r>
+            <a:r>
+              <a:rPr lang="nb-NO" dirty="0" err="1"/>
+              <a:t>the</a:t>
+            </a:r>
+            <a:r>
+              <a:rPr lang="nb-NO" dirty="0"/>
+              <a:t> tau </a:t>
+            </a:r>
+            <a:r>
+              <a:rPr lang="nb-NO" dirty="0" err="1"/>
+              <a:t>formula</a:t>
+            </a:r>
+            <a:r>
+              <a:rPr lang="nb-NO" dirty="0"/>
+              <a:t> is </a:t>
+            </a:r>
+            <a:r>
+              <a:rPr lang="nb-NO" dirty="0" err="1"/>
+              <a:t>the</a:t>
+            </a:r>
+            <a:r>
+              <a:rPr lang="nb-NO" dirty="0"/>
+              <a:t> derivative </a:t>
+            </a:r>
+            <a:r>
+              <a:rPr lang="nb-NO" dirty="0" err="1"/>
+              <a:t>of</a:t>
+            </a:r>
+            <a:r>
+              <a:rPr lang="nb-NO" dirty="0"/>
+              <a:t> SSR.</a:t>
+            </a:r>
+            <a:endParaRPr lang="en-US" dirty="0"/>
           </a:p>
         </p:txBody>
       </p:sp>
@@ -837,7 +914,7 @@
           <a:p>
             <a:fld id="{F7A439AA-4617-4627-B5F6-FFD7862B74B0}" type="slidenum">
               <a:rPr lang="en-US" smtClean="0"/>
-              <a:t>10</a:t>
+              <a:t>11</a:t>
             </a:fld>
             <a:endParaRPr lang="en-US"/>
           </a:p>
@@ -846,7 +923,7 @@
     </p:spTree>
     <p:extLst>
       <p:ext uri="{BB962C8B-B14F-4D97-AF65-F5344CB8AC3E}">
-        <p14:creationId xmlns:p14="http://schemas.microsoft.com/office/powerpoint/2010/main" val="4106504451"/>
+        <p14:creationId xmlns:p14="http://schemas.microsoft.com/office/powerpoint/2010/main" val="753302627"/>
       </p:ext>
     </p:extLst>
   </p:cSld>
@@ -900,39 +977,43 @@
           <a:bodyPr/>
           <a:lstStyle/>
           <a:p>
-            <a:r>
-              <a:rPr lang="en-US" dirty="0"/>
-              <a:t>Malvin talking points (?)</a:t>
-            </a:r>
-          </a:p>
-          <a:p>
-            <a:pPr marL="171450" indent="-171450">
-              <a:buFont typeface="Arial" panose="020B0604020202020204" pitchFamily="34" charset="0"/>
-              <a:buChar char="•"/>
-            </a:pPr>
-            <a:r>
-              <a:rPr lang="en-US" dirty="0"/>
-              <a:t>For the aneurysm case, we found fewer compartments and a slightly longer residence time</a:t>
-            </a:r>
-          </a:p>
-          <a:p>
-            <a:pPr marL="628650" lvl="1" indent="-171450">
-              <a:buFont typeface="Arial" panose="020B0604020202020204" pitchFamily="34" charset="0"/>
-              <a:buChar char="•"/>
-            </a:pPr>
-            <a:r>
-              <a:rPr lang="en-US" dirty="0"/>
-              <a:t>This reflects the increased mixing and flow dispersion caused by the bulged geometry</a:t>
-            </a:r>
-          </a:p>
-          <a:p>
-            <a:pPr marL="628650" lvl="1" indent="-171450">
-              <a:buFont typeface="Arial" panose="020B0604020202020204" pitchFamily="34" charset="0"/>
-              <a:buChar char="•"/>
-            </a:pPr>
-            <a:r>
-              <a:rPr lang="en-US" dirty="0"/>
-              <a:t>The higher SSR indicates that the simple CSTR chain struggles to capture the complex recirculation zones of the aneurysm</a:t>
+            <a:pPr marL="457200" lvl="1" indent="0">
+              <a:buFont typeface="Arial" panose="020B0604020202020204" pitchFamily="34" charset="0"/>
+              <a:buNone/>
+            </a:pPr>
+            <a:r>
+              <a:rPr lang="en-US" dirty="0"/>
+              <a:t>We first plot each 10 n interval, solving for each of the methods (retrieving the data from each csv file, looking at how a more general solution might look like)</a:t>
+            </a:r>
+          </a:p>
+          <a:p>
+            <a:pPr marL="457200" lvl="1" indent="0">
+              <a:buFont typeface="Arial" panose="020B0604020202020204" pitchFamily="34" charset="0"/>
+              <a:buNone/>
+            </a:pPr>
+            <a:r>
+              <a:rPr lang="en-US" dirty="0"/>
+              <a:t>Best fit was found at n = 49, tau = 2.36, meaning the modelling of the flow behaves nearly like plug flow </a:t>
+            </a:r>
+          </a:p>
+          <a:p>
+            <a:pPr marL="457200" lvl="1" indent="0">
+              <a:buFont typeface="Arial" panose="020B0604020202020204" pitchFamily="34" charset="0"/>
+              <a:buNone/>
+            </a:pPr>
+            <a:r>
+              <a:rPr lang="en-US" dirty="0"/>
+              <a:t>The model reproduces the outlet concentration with very good accuracy, and low SSR</a:t>
+            </a:r>
+          </a:p>
+          <a:p>
+            <a:pPr marL="457200" lvl="1" indent="0">
+              <a:buFont typeface="Arial" panose="020B0604020202020204" pitchFamily="34" charset="0"/>
+              <a:buNone/>
+            </a:pPr>
+            <a:r>
+              <a:rPr lang="en-US" dirty="0"/>
+              <a:t>One can see from the graph that we will expect a high SSR for run 1 which is the biphasic phase. If one had used lower n, the SSR would be lower for the other cases, and higher for rect_1s.</a:t>
             </a:r>
           </a:p>
         </p:txBody>
@@ -954,7 +1035,7 @@
           <a:p>
             <a:fld id="{F7A439AA-4617-4627-B5F6-FFD7862B74B0}" type="slidenum">
               <a:rPr lang="en-US" smtClean="0"/>
-              <a:t>11</a:t>
+              <a:t>12</a:t>
             </a:fld>
             <a:endParaRPr lang="en-US"/>
           </a:p>
@@ -963,7 +1044,7 @@
     </p:spTree>
     <p:extLst>
       <p:ext uri="{BB962C8B-B14F-4D97-AF65-F5344CB8AC3E}">
-        <p14:creationId xmlns:p14="http://schemas.microsoft.com/office/powerpoint/2010/main" val="170159539"/>
+        <p14:creationId xmlns:p14="http://schemas.microsoft.com/office/powerpoint/2010/main" val="4106504451"/>
       </p:ext>
     </p:extLst>
   </p:cSld>
@@ -1017,82 +1098,25 @@
           <a:bodyPr/>
           <a:lstStyle/>
           <a:p>
-            <a:pPr marL="171450" indent="-171450">
-              <a:buFont typeface="Arial" panose="020B0604020202020204" pitchFamily="34" charset="0"/>
-              <a:buChar char="•"/>
-            </a:pPr>
-            <a:r>
-              <a:rPr lang="en-US" dirty="0"/>
-              <a:t>To improve the fit further, we extend the model by adding a side reservoir to represent the aneurysm pocket</a:t>
-            </a:r>
-          </a:p>
-          <a:p>
-            <a:pPr marL="171450" indent="-171450">
-              <a:buFont typeface="Arial" panose="020B0604020202020204" pitchFamily="34" charset="0"/>
-              <a:buChar char="•"/>
-            </a:pPr>
-            <a:endParaRPr lang="en-US" dirty="0"/>
-          </a:p>
-          <a:p>
-            <a:pPr marL="171450" indent="-171450">
-              <a:buFont typeface="Arial" panose="020B0604020202020204" pitchFamily="34" charset="0"/>
-              <a:buChar char="•"/>
-            </a:pPr>
-            <a:r>
-              <a:rPr lang="en-US" dirty="0"/>
-              <a:t>The new equation describes exchange between the main flow and the side volume </a:t>
-            </a:r>
-          </a:p>
-          <a:p>
-            <a:pPr marL="0" indent="0">
-              <a:buFont typeface="Arial" panose="020B0604020202020204" pitchFamily="34" charset="0"/>
-              <a:buNone/>
-            </a:pPr>
-            <a:endParaRPr lang="en-US" dirty="0"/>
-          </a:p>
-          <a:p>
-            <a:pPr marL="171450" lvl="0" indent="-171450">
-              <a:buFont typeface="Arial" panose="020B0604020202020204" pitchFamily="34" charset="0"/>
-              <a:buChar char="•"/>
-            </a:pPr>
-            <a:r>
-              <a:rPr lang="en-US" dirty="0"/>
-              <a:t>We optimized parameters and found D = 0.8 (exchange rate constant) and VA = 5.0 (reservoir volume) giving a better SSR of 0.18, and improvement factor of about 1.85 compared to aneurysm case without side reservoir</a:t>
-            </a:r>
-          </a:p>
-          <a:p>
-            <a:pPr marL="171450" lvl="0" indent="-171450">
-              <a:buFont typeface="Arial" panose="020B0604020202020204" pitchFamily="34" charset="0"/>
-              <a:buChar char="•"/>
-            </a:pPr>
-            <a:endParaRPr lang="en-US" dirty="0"/>
-          </a:p>
-          <a:p>
-            <a:pPr marL="171450" lvl="0" indent="-171450">
-              <a:buFont typeface="Arial" panose="020B0604020202020204" pitchFamily="34" charset="0"/>
-              <a:buChar char="•"/>
-            </a:pPr>
-            <a:r>
-              <a:rPr lang="en-US" dirty="0"/>
-              <a:t>Physically, this means that the aneurysm acts as a large, slow exchanging reservoir near the outlet rather than just a part of the main flow path</a:t>
-            </a:r>
-          </a:p>
-          <a:p>
-            <a:pPr marL="628650" lvl="1" indent="-171450">
-              <a:buFont typeface="Arial" panose="020B0604020202020204" pitchFamily="34" charset="0"/>
-              <a:buChar char="•"/>
-            </a:pPr>
-            <a:r>
-              <a:rPr lang="en-US" dirty="0"/>
-              <a:t>This captures the delayed washout in the CFD data </a:t>
-            </a:r>
-          </a:p>
-          <a:p>
-            <a:pPr marL="171450" lvl="0" indent="-171450">
-              <a:buFont typeface="Arial" panose="020B0604020202020204" pitchFamily="34" charset="0"/>
-              <a:buChar char="•"/>
-            </a:pPr>
-            <a:endParaRPr lang="en-US" dirty="0"/>
+            <a:r>
+              <a:rPr lang="en-US" dirty="0"/>
+              <a:t>SSR is lowest for the training case, as expected, but stays low for other cases too, meaning the model works well without re-fitting. Biphasic has the highest SSR. From the plot earlier this is expected. The best fit for the biphasic case was with a lower number of compartments, which means that the complex nature of the injection protocol is not captured as nicely by assuming less mixing in the tank.</a:t>
+            </a:r>
+            <a:br>
+              <a:rPr lang="en-US" dirty="0"/>
+            </a:br>
+            <a:r>
+              <a:rPr lang="en-US" dirty="0"/>
+              <a:t>We can also see that the ramp SSRs are lower than the </a:t>
+            </a:r>
+            <a:r>
+              <a:rPr lang="en-US" dirty="0" err="1"/>
+              <a:t>rect</a:t>
+            </a:r>
+            <a:r>
+              <a:rPr lang="en-US" dirty="0"/>
+              <a:t>, which might be because of their smooth nature (No drastic changes), and therefore being captured better by the model and the higher n.</a:t>
+            </a:r>
           </a:p>
         </p:txBody>
       </p:sp>
@@ -1113,7 +1137,7 @@
           <a:p>
             <a:fld id="{F7A439AA-4617-4627-B5F6-FFD7862B74B0}" type="slidenum">
               <a:rPr lang="en-US" smtClean="0"/>
-              <a:t>12</a:t>
+              <a:t>13</a:t>
             </a:fld>
             <a:endParaRPr lang="en-US"/>
           </a:p>
@@ -1122,7 +1146,7 @@
     </p:spTree>
     <p:extLst>
       <p:ext uri="{BB962C8B-B14F-4D97-AF65-F5344CB8AC3E}">
-        <p14:creationId xmlns:p14="http://schemas.microsoft.com/office/powerpoint/2010/main" val="2232354184"/>
+        <p14:creationId xmlns:p14="http://schemas.microsoft.com/office/powerpoint/2010/main" val="2698816564"/>
       </p:ext>
     </p:extLst>
   </p:cSld>
@@ -1176,87 +1200,9 @@
           <a:bodyPr/>
           <a:lstStyle/>
           <a:p>
-            <a:pPr marL="171450" lvl="0" indent="-171450">
-              <a:buFont typeface="Arial" panose="020B0604020202020204" pitchFamily="34" charset="0"/>
-              <a:buChar char="•"/>
-            </a:pPr>
-            <a:r>
-              <a:rPr lang="en-US" dirty="0"/>
-              <a:t>The main strength of the n-CSTR approach are its simplicity and speed</a:t>
-            </a:r>
-          </a:p>
-          <a:p>
-            <a:pPr marL="171450" lvl="0" indent="-171450">
-              <a:buFont typeface="Arial" panose="020B0604020202020204" pitchFamily="34" charset="0"/>
-              <a:buChar char="•"/>
-            </a:pPr>
-            <a:r>
-              <a:rPr lang="en-US" dirty="0"/>
-              <a:t>It turns CDF-scale complexity into two easy parameters (n and tau), directly reflecting the flows mixing and residence characteristics</a:t>
-            </a:r>
-          </a:p>
-          <a:p>
-            <a:pPr marL="171450" lvl="0" indent="-171450">
-              <a:buFont typeface="Arial" panose="020B0604020202020204" pitchFamily="34" charset="0"/>
-              <a:buChar char="•"/>
-            </a:pPr>
-            <a:endParaRPr lang="en-US" dirty="0"/>
-          </a:p>
-          <a:p>
-            <a:pPr marL="171450" lvl="0" indent="-171450">
-              <a:buFont typeface="Arial" panose="020B0604020202020204" pitchFamily="34" charset="0"/>
-              <a:buChar char="•"/>
-            </a:pPr>
-            <a:r>
-              <a:rPr lang="en-US" dirty="0"/>
-              <a:t>However, its not perfect.</a:t>
-            </a:r>
-          </a:p>
-          <a:p>
-            <a:pPr marL="628650" lvl="1" indent="-171450">
-              <a:buFont typeface="Arial" panose="020B0604020202020204" pitchFamily="34" charset="0"/>
-              <a:buChar char="•"/>
-            </a:pPr>
-            <a:r>
-              <a:rPr lang="en-US" dirty="0"/>
-              <a:t>Each tank assumes perfect mixing (so we lose spatial detail)</a:t>
-            </a:r>
-          </a:p>
-          <a:p>
-            <a:pPr marL="628650" lvl="1" indent="-171450">
-              <a:buFont typeface="Arial" panose="020B0604020202020204" pitchFamily="34" charset="0"/>
-              <a:buChar char="•"/>
-            </a:pPr>
-            <a:r>
-              <a:rPr lang="en-US" dirty="0"/>
-              <a:t>Since parameters are fitted rather than measured, the model can’t capture local flow patterns or backflow accurately in complex geometries</a:t>
-            </a:r>
-          </a:p>
-          <a:p>
-            <a:pPr marL="628650" lvl="1" indent="-171450">
-              <a:buFont typeface="Arial" panose="020B0604020202020204" pitchFamily="34" charset="0"/>
-              <a:buChar char="•"/>
-            </a:pPr>
-            <a:endParaRPr lang="en-US" dirty="0"/>
-          </a:p>
-          <a:p>
-            <a:pPr marL="171450" lvl="0" indent="-171450">
-              <a:buFont typeface="Arial" panose="020B0604020202020204" pitchFamily="34" charset="0"/>
-              <a:buChar char="•"/>
-            </a:pPr>
-            <a:r>
-              <a:rPr lang="en-US" dirty="0"/>
-              <a:t>Overall, it’s a great reduced-order model for interpreting flow systems efficiently</a:t>
-            </a:r>
-          </a:p>
-          <a:p>
-            <a:pPr marL="628650" lvl="1" indent="-171450">
-              <a:buFont typeface="Arial" panose="020B0604020202020204" pitchFamily="34" charset="0"/>
-              <a:buChar char="•"/>
-            </a:pPr>
-            <a:r>
-              <a:rPr lang="en-US" dirty="0"/>
-              <a:t>But not a CFD replacement when geometry-specific information is required</a:t>
+            <a:r>
+              <a:rPr lang="en-US" dirty="0"/>
+              <a:t>Doing the same recipe for the aneurysm case and seeing a larger deviation and higher SSR in general for the different fits. We are also seeing that the models are optimizing with less number of compartments. </a:t>
             </a:r>
           </a:p>
         </p:txBody>
@@ -1278,7 +1224,7 @@
           <a:p>
             <a:fld id="{F7A439AA-4617-4627-B5F6-FFD7862B74B0}" type="slidenum">
               <a:rPr lang="en-US" smtClean="0"/>
-              <a:t>13</a:t>
+              <a:t>14</a:t>
             </a:fld>
             <a:endParaRPr lang="en-US"/>
           </a:p>
@@ -1287,7 +1233,7 @@
     </p:spTree>
     <p:extLst>
       <p:ext uri="{BB962C8B-B14F-4D97-AF65-F5344CB8AC3E}">
-        <p14:creationId xmlns:p14="http://schemas.microsoft.com/office/powerpoint/2010/main" val="519831068"/>
+        <p14:creationId xmlns:p14="http://schemas.microsoft.com/office/powerpoint/2010/main" val="170159539"/>
       </p:ext>
     </p:extLst>
   </p:cSld>
@@ -1341,80 +1287,32 @@
           <a:bodyPr/>
           <a:lstStyle/>
           <a:p>
-            <a:pPr marL="171450" indent="-171450">
-              <a:buFont typeface="Arial" panose="020B0604020202020204" pitchFamily="34" charset="0"/>
-              <a:buChar char="•"/>
-            </a:pPr>
-            <a:r>
-              <a:rPr lang="en-US" dirty="0"/>
-              <a:t>To summarize, the n-CSTR model successfully reproduced the CFD outlet with high accuracy</a:t>
-            </a:r>
-          </a:p>
-          <a:p>
-            <a:pPr marL="171450" indent="-171450">
-              <a:buFont typeface="Arial" panose="020B0604020202020204" pitchFamily="34" charset="0"/>
-              <a:buChar char="•"/>
-            </a:pPr>
-            <a:r>
-              <a:rPr lang="en-US" dirty="0"/>
-              <a:t>Through the project we have showed that </a:t>
-            </a:r>
-          </a:p>
-          <a:p>
-            <a:pPr marL="628650" lvl="1" indent="-171450">
-              <a:buFont typeface="Arial" panose="020B0604020202020204" pitchFamily="34" charset="0"/>
-              <a:buChar char="•"/>
-            </a:pPr>
-            <a:r>
-              <a:rPr lang="en-US" dirty="0"/>
-              <a:t>A simple reduced order n-CSTR model can capture the essential transport behavior of blood flow in an aortic arch</a:t>
-            </a:r>
-          </a:p>
-          <a:p>
-            <a:pPr marL="628650" lvl="1" indent="-171450">
-              <a:buFont typeface="Arial" panose="020B0604020202020204" pitchFamily="34" charset="0"/>
-              <a:buChar char="•"/>
-            </a:pPr>
-            <a:r>
-              <a:rPr lang="en-US" dirty="0"/>
-              <a:t>That the healthy aorta exhibits plug-like-flow transport with parameters n=49 and tau = 2.36</a:t>
-            </a:r>
-          </a:p>
-          <a:p>
-            <a:pPr marL="628650" lvl="1" indent="-171450">
-              <a:buFont typeface="Arial" panose="020B0604020202020204" pitchFamily="34" charset="0"/>
-              <a:buChar char="•"/>
-            </a:pPr>
-            <a:r>
-              <a:rPr lang="en-US" dirty="0"/>
-              <a:t>That the aneurysm aorta cause stronger dispersion and slower washout with parameters n= 21 and tau = 2.45</a:t>
-            </a:r>
-          </a:p>
-          <a:p>
-            <a:pPr marL="628650" lvl="1" indent="-171450">
-              <a:buFont typeface="Arial" panose="020B0604020202020204" pitchFamily="34" charset="0"/>
-              <a:buChar char="•"/>
-            </a:pPr>
-            <a:r>
-              <a:rPr lang="en-US" dirty="0"/>
-              <a:t>By extending the model with a side aneurysm volume we improve accuracy further and confirm the presence of slow recirculation zones</a:t>
-            </a:r>
-          </a:p>
-          <a:p>
-            <a:pPr marL="628650" lvl="1" indent="-171450">
-              <a:buFont typeface="Arial" panose="020B0604020202020204" pitchFamily="34" charset="0"/>
-              <a:buChar char="•"/>
-            </a:pPr>
-            <a:endParaRPr lang="en-US" dirty="0"/>
-          </a:p>
-          <a:p>
-            <a:pPr marL="628650" lvl="1" indent="-171450">
-              <a:buFont typeface="Arial" panose="020B0604020202020204" pitchFamily="34" charset="0"/>
-              <a:buChar char="•"/>
-            </a:pPr>
-            <a:r>
-              <a:rPr lang="en-US" dirty="0"/>
-              <a:t>The project shows that simple ODE-based models can describe complex flow behavior when properly calibrated </a:t>
+            <a:r>
+              <a:rPr lang="en-US" dirty="0"/>
+              <a:t>The model fits healthy cases better than aneurysm cases because it assumes equal compartment volumes and smooth flow—conditions that fail with aneurysms. Ramp injections give lower SSR than rectangular ones since the model handles gradual changes better than sudden jumps.</a:t>
+            </a:r>
+            <a:br>
+              <a:rPr lang="en-US" dirty="0"/>
+            </a:br>
+            <a:r>
+              <a:rPr lang="en-US" dirty="0"/>
+              <a:t>Aneurysm cases needed far fewer compartments (</a:t>
+            </a:r>
+            <a:r>
+              <a:rPr lang="en-US" b="1" dirty="0"/>
+              <a:t>n = 21</a:t>
+            </a:r>
+            <a:r>
+              <a:rPr lang="en-US" dirty="0"/>
+              <a:t>) than healthy ones (</a:t>
+            </a:r>
+            <a:r>
+              <a:rPr lang="en-US" b="1" dirty="0"/>
+              <a:t>n = 49</a:t>
+            </a:r>
+            <a:r>
+              <a:rPr lang="en-US" dirty="0"/>
+              <a:t>), showing more dispersion and recirculation. Residence time was slightly higher, consistent with larger volume and slower washout. Higher SSR confirms the model struggles with complex aneurysmal flow.</a:t>
             </a:r>
           </a:p>
         </p:txBody>
@@ -1436,7 +1334,7 @@
           <a:p>
             <a:fld id="{F7A439AA-4617-4627-B5F6-FFD7862B74B0}" type="slidenum">
               <a:rPr lang="en-US" smtClean="0"/>
-              <a:t>14</a:t>
+              <a:t>15</a:t>
             </a:fld>
             <a:endParaRPr lang="en-US"/>
           </a:p>
@@ -1445,7 +1343,7 @@
     </p:spTree>
     <p:extLst>
       <p:ext uri="{BB962C8B-B14F-4D97-AF65-F5344CB8AC3E}">
-        <p14:creationId xmlns:p14="http://schemas.microsoft.com/office/powerpoint/2010/main" val="2898704355"/>
+        <p14:creationId xmlns:p14="http://schemas.microsoft.com/office/powerpoint/2010/main" val="2086913344"/>
       </p:ext>
     </p:extLst>
   </p:cSld>
@@ -1499,6 +1397,81 @@
           <a:bodyPr/>
           <a:lstStyle/>
           <a:p>
+            <a:pPr marL="171450" indent="-171450">
+              <a:buFont typeface="Arial" panose="020B0604020202020204" pitchFamily="34" charset="0"/>
+              <a:buChar char="•"/>
+            </a:pPr>
+            <a:r>
+              <a:rPr lang="en-US" dirty="0"/>
+              <a:t>To improve the fit further, we extend the model by adding a side reservoir to represent the aneurysm pocket</a:t>
+            </a:r>
+          </a:p>
+          <a:p>
+            <a:pPr marL="171450" indent="-171450">
+              <a:buFont typeface="Arial" panose="020B0604020202020204" pitchFamily="34" charset="0"/>
+              <a:buChar char="•"/>
+            </a:pPr>
+            <a:endParaRPr lang="en-US" dirty="0"/>
+          </a:p>
+          <a:p>
+            <a:pPr marL="171450" indent="-171450">
+              <a:buFont typeface="Arial" panose="020B0604020202020204" pitchFamily="34" charset="0"/>
+              <a:buChar char="•"/>
+            </a:pPr>
+            <a:r>
+              <a:rPr lang="en-US" dirty="0"/>
+              <a:t>The new equation describes exchange between the main flow and the side volume </a:t>
+            </a:r>
+          </a:p>
+          <a:p>
+            <a:pPr marL="0" indent="0">
+              <a:buFont typeface="Arial" panose="020B0604020202020204" pitchFamily="34" charset="0"/>
+              <a:buNone/>
+            </a:pPr>
+            <a:endParaRPr lang="en-US" dirty="0"/>
+          </a:p>
+          <a:p>
+            <a:pPr marL="171450" lvl="0" indent="-171450">
+              <a:buFont typeface="Arial" panose="020B0604020202020204" pitchFamily="34" charset="0"/>
+              <a:buChar char="•"/>
+            </a:pPr>
+            <a:r>
+              <a:rPr lang="en-US" dirty="0"/>
+              <a:t>We optimized parameters and found D = 0.8 (exchange rate constant) and VA = 5.0 (reservoir volume) giving a better SSR of 0.18, and improvement factor of about 1.85 compared to aneurysm case without side reservoir</a:t>
+            </a:r>
+          </a:p>
+          <a:p>
+            <a:pPr marL="171450" lvl="0" indent="-171450">
+              <a:buFont typeface="Arial" panose="020B0604020202020204" pitchFamily="34" charset="0"/>
+              <a:buChar char="•"/>
+            </a:pPr>
+            <a:endParaRPr lang="en-US" dirty="0"/>
+          </a:p>
+          <a:p>
+            <a:pPr marL="171450" lvl="0" indent="-171450">
+              <a:buFont typeface="Arial" panose="020B0604020202020204" pitchFamily="34" charset="0"/>
+              <a:buChar char="•"/>
+            </a:pPr>
+            <a:r>
+              <a:rPr lang="en-US" dirty="0"/>
+              <a:t>Physically, this means that the aneurysm acts as a large, slow exchanging reservoir near the outlet rather than just a part of the main flow path</a:t>
+            </a:r>
+          </a:p>
+          <a:p>
+            <a:pPr marL="628650" lvl="1" indent="-171450">
+              <a:buFont typeface="Arial" panose="020B0604020202020204" pitchFamily="34" charset="0"/>
+              <a:buChar char="•"/>
+            </a:pPr>
+            <a:r>
+              <a:rPr lang="en-US" dirty="0"/>
+              <a:t>This captures the delayed washout in the CFD data </a:t>
+            </a:r>
+          </a:p>
+          <a:p>
+            <a:pPr marL="171450" lvl="0" indent="-171450">
+              <a:buFont typeface="Arial" panose="020B0604020202020204" pitchFamily="34" charset="0"/>
+              <a:buChar char="•"/>
+            </a:pPr>
             <a:endParaRPr lang="en-US" dirty="0"/>
           </a:p>
         </p:txBody>
@@ -1520,7 +1493,414 @@
           <a:p>
             <a:fld id="{F7A439AA-4617-4627-B5F6-FFD7862B74B0}" type="slidenum">
               <a:rPr lang="en-US" smtClean="0"/>
-              <a:t>15</a:t>
+              <a:t>16</a:t>
+            </a:fld>
+            <a:endParaRPr lang="en-US"/>
+          </a:p>
+        </p:txBody>
+      </p:sp>
+    </p:spTree>
+    <p:extLst>
+      <p:ext uri="{BB962C8B-B14F-4D97-AF65-F5344CB8AC3E}">
+        <p14:creationId xmlns:p14="http://schemas.microsoft.com/office/powerpoint/2010/main" val="2232354184"/>
+      </p:ext>
+    </p:extLst>
+  </p:cSld>
+  <p:clrMapOvr>
+    <a:masterClrMapping/>
+  </p:clrMapOvr>
+</p:notes>
+</file>
+
+<file path=ppt/notesSlides/notesSlide16.xml><?xml version="1.0" encoding="utf-8"?>
+<p:notes xmlns:a="http://schemas.openxmlformats.org/drawingml/2006/main" xmlns:r="http://schemas.openxmlformats.org/officeDocument/2006/relationships" xmlns:p="http://schemas.openxmlformats.org/presentationml/2006/main">
+  <p:cSld>
+    <p:spTree>
+      <p:nvGrpSpPr>
+        <p:cNvPr id="1" name=""/>
+        <p:cNvGrpSpPr/>
+        <p:nvPr/>
+      </p:nvGrpSpPr>
+      <p:grpSpPr>
+        <a:xfrm>
+          <a:off x="0" y="0"/>
+          <a:ext cx="0" cy="0"/>
+          <a:chOff x="0" y="0"/>
+          <a:chExt cx="0" cy="0"/>
+        </a:xfrm>
+      </p:grpSpPr>
+      <p:sp>
+        <p:nvSpPr>
+          <p:cNvPr id="2" name="Plassholder for lysbilde 1"/>
+          <p:cNvSpPr>
+            <a:spLocks noGrp="1" noRot="1" noChangeAspect="1"/>
+          </p:cNvSpPr>
+          <p:nvPr>
+            <p:ph type="sldImg"/>
+          </p:nvPr>
+        </p:nvSpPr>
+        <p:spPr/>
+      </p:sp>
+      <p:sp>
+        <p:nvSpPr>
+          <p:cNvPr id="3" name="Plassholder for notater 2"/>
+          <p:cNvSpPr>
+            <a:spLocks noGrp="1"/>
+          </p:cNvSpPr>
+          <p:nvPr>
+            <p:ph type="body" idx="1"/>
+          </p:nvPr>
+        </p:nvSpPr>
+        <p:spPr/>
+        <p:txBody>
+          <a:bodyPr/>
+          <a:lstStyle/>
+          <a:p>
+            <a:pPr marL="171450" lvl="0" indent="-171450">
+              <a:buFont typeface="Arial" panose="020B0604020202020204" pitchFamily="34" charset="0"/>
+              <a:buChar char="•"/>
+            </a:pPr>
+            <a:r>
+              <a:rPr lang="en-US" dirty="0"/>
+              <a:t>The main strength of the n-CSTR approach are its simplicity and speed</a:t>
+            </a:r>
+          </a:p>
+          <a:p>
+            <a:pPr marL="171450" lvl="0" indent="-171450">
+              <a:buFont typeface="Arial" panose="020B0604020202020204" pitchFamily="34" charset="0"/>
+              <a:buChar char="•"/>
+            </a:pPr>
+            <a:r>
+              <a:rPr lang="en-US" dirty="0"/>
+              <a:t>It turns CDF-scale complexity into two easy parameters (n and tau), directly reflecting the flows mixing and residence characteristics</a:t>
+            </a:r>
+          </a:p>
+          <a:p>
+            <a:pPr marL="171450" lvl="0" indent="-171450">
+              <a:buFont typeface="Arial" panose="020B0604020202020204" pitchFamily="34" charset="0"/>
+              <a:buChar char="•"/>
+            </a:pPr>
+            <a:endParaRPr lang="en-US" dirty="0"/>
+          </a:p>
+          <a:p>
+            <a:pPr marL="171450" lvl="0" indent="-171450">
+              <a:buFont typeface="Arial" panose="020B0604020202020204" pitchFamily="34" charset="0"/>
+              <a:buChar char="•"/>
+            </a:pPr>
+            <a:r>
+              <a:rPr lang="en-US" dirty="0"/>
+              <a:t>However, its not perfect.</a:t>
+            </a:r>
+          </a:p>
+          <a:p>
+            <a:pPr marL="628650" lvl="1" indent="-171450">
+              <a:buFont typeface="Arial" panose="020B0604020202020204" pitchFamily="34" charset="0"/>
+              <a:buChar char="•"/>
+            </a:pPr>
+            <a:r>
+              <a:rPr lang="en-US" dirty="0"/>
+              <a:t>Each tank assumes perfect mixing (so we lose spatial detail)</a:t>
+            </a:r>
+          </a:p>
+          <a:p>
+            <a:pPr marL="628650" lvl="1" indent="-171450">
+              <a:buFont typeface="Arial" panose="020B0604020202020204" pitchFamily="34" charset="0"/>
+              <a:buChar char="•"/>
+            </a:pPr>
+            <a:r>
+              <a:rPr lang="en-US" dirty="0"/>
+              <a:t>Since parameters are fitted rather than measured, the model can’t capture local flow patterns or backflow accurately in complex geometries</a:t>
+            </a:r>
+          </a:p>
+          <a:p>
+            <a:pPr marL="628650" lvl="1" indent="-171450">
+              <a:buFont typeface="Arial" panose="020B0604020202020204" pitchFamily="34" charset="0"/>
+              <a:buChar char="•"/>
+            </a:pPr>
+            <a:endParaRPr lang="en-US" dirty="0"/>
+          </a:p>
+          <a:p>
+            <a:pPr marL="171450" lvl="0" indent="-171450">
+              <a:buFont typeface="Arial" panose="020B0604020202020204" pitchFamily="34" charset="0"/>
+              <a:buChar char="•"/>
+            </a:pPr>
+            <a:r>
+              <a:rPr lang="en-US" dirty="0"/>
+              <a:t>Overall, it’s a great reduced-order model for interpreting flow systems efficiently</a:t>
+            </a:r>
+          </a:p>
+          <a:p>
+            <a:pPr marL="628650" lvl="1" indent="-171450">
+              <a:buFont typeface="Arial" panose="020B0604020202020204" pitchFamily="34" charset="0"/>
+              <a:buChar char="•"/>
+            </a:pPr>
+            <a:r>
+              <a:rPr lang="en-US" dirty="0"/>
+              <a:t>But not a CFD replacement when geometry-specific information is required</a:t>
+            </a:r>
+          </a:p>
+        </p:txBody>
+      </p:sp>
+      <p:sp>
+        <p:nvSpPr>
+          <p:cNvPr id="4" name="Plassholder for lysbildenummer 3"/>
+          <p:cNvSpPr>
+            <a:spLocks noGrp="1"/>
+          </p:cNvSpPr>
+          <p:nvPr>
+            <p:ph type="sldNum" sz="quarter" idx="5"/>
+          </p:nvPr>
+        </p:nvSpPr>
+        <p:spPr/>
+        <p:txBody>
+          <a:bodyPr/>
+          <a:lstStyle/>
+          <a:p>
+            <a:fld id="{F7A439AA-4617-4627-B5F6-FFD7862B74B0}" type="slidenum">
+              <a:rPr lang="en-US" smtClean="0"/>
+              <a:t>17</a:t>
+            </a:fld>
+            <a:endParaRPr lang="en-US"/>
+          </a:p>
+        </p:txBody>
+      </p:sp>
+    </p:spTree>
+    <p:extLst>
+      <p:ext uri="{BB962C8B-B14F-4D97-AF65-F5344CB8AC3E}">
+        <p14:creationId xmlns:p14="http://schemas.microsoft.com/office/powerpoint/2010/main" val="519831068"/>
+      </p:ext>
+    </p:extLst>
+  </p:cSld>
+  <p:clrMapOvr>
+    <a:masterClrMapping/>
+  </p:clrMapOvr>
+</p:notes>
+</file>
+
+<file path=ppt/notesSlides/notesSlide17.xml><?xml version="1.0" encoding="utf-8"?>
+<p:notes xmlns:a="http://schemas.openxmlformats.org/drawingml/2006/main" xmlns:r="http://schemas.openxmlformats.org/officeDocument/2006/relationships" xmlns:p="http://schemas.openxmlformats.org/presentationml/2006/main">
+  <p:cSld>
+    <p:spTree>
+      <p:nvGrpSpPr>
+        <p:cNvPr id="1" name=""/>
+        <p:cNvGrpSpPr/>
+        <p:nvPr/>
+      </p:nvGrpSpPr>
+      <p:grpSpPr>
+        <a:xfrm>
+          <a:off x="0" y="0"/>
+          <a:ext cx="0" cy="0"/>
+          <a:chOff x="0" y="0"/>
+          <a:chExt cx="0" cy="0"/>
+        </a:xfrm>
+      </p:grpSpPr>
+      <p:sp>
+        <p:nvSpPr>
+          <p:cNvPr id="2" name="Plassholder for lysbilde 1"/>
+          <p:cNvSpPr>
+            <a:spLocks noGrp="1" noRot="1" noChangeAspect="1"/>
+          </p:cNvSpPr>
+          <p:nvPr>
+            <p:ph type="sldImg"/>
+          </p:nvPr>
+        </p:nvSpPr>
+        <p:spPr/>
+      </p:sp>
+      <p:sp>
+        <p:nvSpPr>
+          <p:cNvPr id="3" name="Plassholder for notater 2"/>
+          <p:cNvSpPr>
+            <a:spLocks noGrp="1"/>
+          </p:cNvSpPr>
+          <p:nvPr>
+            <p:ph type="body" idx="1"/>
+          </p:nvPr>
+        </p:nvSpPr>
+        <p:spPr/>
+        <p:txBody>
+          <a:bodyPr/>
+          <a:lstStyle/>
+          <a:p>
+            <a:pPr marL="171450" indent="-171450">
+              <a:buFont typeface="Arial" panose="020B0604020202020204" pitchFamily="34" charset="0"/>
+              <a:buChar char="•"/>
+            </a:pPr>
+            <a:r>
+              <a:rPr lang="en-US" dirty="0"/>
+              <a:t>To summarize, the n-CSTR model successfully reproduced the CFD outlet with high accuracy</a:t>
+            </a:r>
+          </a:p>
+          <a:p>
+            <a:pPr marL="171450" indent="-171450">
+              <a:buFont typeface="Arial" panose="020B0604020202020204" pitchFamily="34" charset="0"/>
+              <a:buChar char="•"/>
+            </a:pPr>
+            <a:r>
+              <a:rPr lang="en-US" dirty="0"/>
+              <a:t>Through the project we have showed that </a:t>
+            </a:r>
+          </a:p>
+          <a:p>
+            <a:pPr marL="628650" lvl="1" indent="-171450">
+              <a:buFont typeface="Arial" panose="020B0604020202020204" pitchFamily="34" charset="0"/>
+              <a:buChar char="•"/>
+            </a:pPr>
+            <a:r>
+              <a:rPr lang="en-US" dirty="0"/>
+              <a:t>A simple reduced order n-CSTR model can capture the essential transport behavior of blood flow in an aortic arch</a:t>
+            </a:r>
+          </a:p>
+          <a:p>
+            <a:pPr marL="628650" lvl="1" indent="-171450">
+              <a:buFont typeface="Arial" panose="020B0604020202020204" pitchFamily="34" charset="0"/>
+              <a:buChar char="•"/>
+            </a:pPr>
+            <a:r>
+              <a:rPr lang="en-US" dirty="0"/>
+              <a:t>That the healthy aorta exhibits plug-like-flow transport with parameters n=49 and tau = 2.36</a:t>
+            </a:r>
+          </a:p>
+          <a:p>
+            <a:pPr marL="628650" lvl="1" indent="-171450">
+              <a:buFont typeface="Arial" panose="020B0604020202020204" pitchFamily="34" charset="0"/>
+              <a:buChar char="•"/>
+            </a:pPr>
+            <a:r>
+              <a:rPr lang="en-US" dirty="0"/>
+              <a:t>That the aneurysm aorta cause stronger dispersion and slower washout with parameters n= 21 and tau = 2.45</a:t>
+            </a:r>
+          </a:p>
+          <a:p>
+            <a:pPr marL="628650" lvl="1" indent="-171450">
+              <a:buFont typeface="Arial" panose="020B0604020202020204" pitchFamily="34" charset="0"/>
+              <a:buChar char="•"/>
+            </a:pPr>
+            <a:r>
+              <a:rPr lang="en-US" dirty="0"/>
+              <a:t>By extending the model with a side aneurysm volume we improve accuracy further and confirm the presence of slow recirculation zones</a:t>
+            </a:r>
+          </a:p>
+          <a:p>
+            <a:pPr marL="628650" lvl="1" indent="-171450">
+              <a:buFont typeface="Arial" panose="020B0604020202020204" pitchFamily="34" charset="0"/>
+              <a:buChar char="•"/>
+            </a:pPr>
+            <a:endParaRPr lang="en-US" dirty="0"/>
+          </a:p>
+          <a:p>
+            <a:pPr marL="628650" lvl="1" indent="-171450">
+              <a:buFont typeface="Arial" panose="020B0604020202020204" pitchFamily="34" charset="0"/>
+              <a:buChar char="•"/>
+            </a:pPr>
+            <a:r>
+              <a:rPr lang="en-US" dirty="0"/>
+              <a:t>The project shows that simple ODE-based models can describe complex flow behavior when properly calibrated </a:t>
+            </a:r>
+          </a:p>
+        </p:txBody>
+      </p:sp>
+      <p:sp>
+        <p:nvSpPr>
+          <p:cNvPr id="4" name="Plassholder for lysbildenummer 3"/>
+          <p:cNvSpPr>
+            <a:spLocks noGrp="1"/>
+          </p:cNvSpPr>
+          <p:nvPr>
+            <p:ph type="sldNum" sz="quarter" idx="5"/>
+          </p:nvPr>
+        </p:nvSpPr>
+        <p:spPr/>
+        <p:txBody>
+          <a:bodyPr/>
+          <a:lstStyle/>
+          <a:p>
+            <a:fld id="{F7A439AA-4617-4627-B5F6-FFD7862B74B0}" type="slidenum">
+              <a:rPr lang="en-US" smtClean="0"/>
+              <a:t>18</a:t>
+            </a:fld>
+            <a:endParaRPr lang="en-US"/>
+          </a:p>
+        </p:txBody>
+      </p:sp>
+    </p:spTree>
+    <p:extLst>
+      <p:ext uri="{BB962C8B-B14F-4D97-AF65-F5344CB8AC3E}">
+        <p14:creationId xmlns:p14="http://schemas.microsoft.com/office/powerpoint/2010/main" val="2898704355"/>
+      </p:ext>
+    </p:extLst>
+  </p:cSld>
+  <p:clrMapOvr>
+    <a:masterClrMapping/>
+  </p:clrMapOvr>
+</p:notes>
+</file>
+
+<file path=ppt/notesSlides/notesSlide18.xml><?xml version="1.0" encoding="utf-8"?>
+<p:notes xmlns:a="http://schemas.openxmlformats.org/drawingml/2006/main" xmlns:r="http://schemas.openxmlformats.org/officeDocument/2006/relationships" xmlns:p="http://schemas.openxmlformats.org/presentationml/2006/main">
+  <p:cSld>
+    <p:spTree>
+      <p:nvGrpSpPr>
+        <p:cNvPr id="1" name=""/>
+        <p:cNvGrpSpPr/>
+        <p:nvPr/>
+      </p:nvGrpSpPr>
+      <p:grpSpPr>
+        <a:xfrm>
+          <a:off x="0" y="0"/>
+          <a:ext cx="0" cy="0"/>
+          <a:chOff x="0" y="0"/>
+          <a:chExt cx="0" cy="0"/>
+        </a:xfrm>
+      </p:grpSpPr>
+      <p:sp>
+        <p:nvSpPr>
+          <p:cNvPr id="2" name="Plassholder for lysbilde 1"/>
+          <p:cNvSpPr>
+            <a:spLocks noGrp="1" noRot="1" noChangeAspect="1"/>
+          </p:cNvSpPr>
+          <p:nvPr>
+            <p:ph type="sldImg"/>
+          </p:nvPr>
+        </p:nvSpPr>
+        <p:spPr/>
+      </p:sp>
+      <p:sp>
+        <p:nvSpPr>
+          <p:cNvPr id="3" name="Plassholder for notater 2"/>
+          <p:cNvSpPr>
+            <a:spLocks noGrp="1"/>
+          </p:cNvSpPr>
+          <p:nvPr>
+            <p:ph type="body" idx="1"/>
+          </p:nvPr>
+        </p:nvSpPr>
+        <p:spPr/>
+        <p:txBody>
+          <a:bodyPr/>
+          <a:lstStyle/>
+          <a:p>
+            <a:endParaRPr lang="en-US" dirty="0"/>
+          </a:p>
+        </p:txBody>
+      </p:sp>
+      <p:sp>
+        <p:nvSpPr>
+          <p:cNvPr id="4" name="Plassholder for lysbildenummer 3"/>
+          <p:cNvSpPr>
+            <a:spLocks noGrp="1"/>
+          </p:cNvSpPr>
+          <p:nvPr>
+            <p:ph type="sldNum" sz="quarter" idx="5"/>
+          </p:nvPr>
+        </p:nvSpPr>
+        <p:spPr/>
+        <p:txBody>
+          <a:bodyPr/>
+          <a:lstStyle/>
+          <a:p>
+            <a:fld id="{F7A439AA-4617-4627-B5F6-FFD7862B74B0}" type="slidenum">
+              <a:rPr lang="en-US" smtClean="0"/>
+              <a:t>19</a:t>
             </a:fld>
             <a:endParaRPr lang="en-US"/>
           </a:p>
@@ -2008,7 +2388,7 @@
           <a:p>
             <a:fld id="{F7A439AA-4617-4627-B5F6-FFD7862B74B0}" type="slidenum">
               <a:rPr lang="en-US" smtClean="0"/>
-              <a:t>4</a:t>
+              <a:t>5</a:t>
             </a:fld>
             <a:endParaRPr lang="en-US"/>
           </a:p>
@@ -2171,7 +2551,7 @@
           <a:p>
             <a:fld id="{F7A439AA-4617-4627-B5F6-FFD7862B74B0}" type="slidenum">
               <a:rPr lang="en-US" smtClean="0"/>
-              <a:t>5</a:t>
+              <a:t>6</a:t>
             </a:fld>
             <a:endParaRPr lang="en-US"/>
           </a:p>
@@ -2366,7 +2746,7 @@
           <a:p>
             <a:fld id="{F7A439AA-4617-4627-B5F6-FFD7862B74B0}" type="slidenum">
               <a:rPr lang="en-US" smtClean="0"/>
-              <a:t>6</a:t>
+              <a:t>7</a:t>
             </a:fld>
             <a:endParaRPr lang="en-US"/>
           </a:p>
@@ -2642,7 +3022,7 @@
           <a:p>
             <a:fld id="{F7A439AA-4617-4627-B5F6-FFD7862B74B0}" type="slidenum">
               <a:rPr lang="en-US" smtClean="0"/>
-              <a:t>7</a:t>
+              <a:t>8</a:t>
             </a:fld>
             <a:endParaRPr lang="en-US"/>
           </a:p>
@@ -2707,47 +3087,7 @@
           <a:p>
             <a:r>
               <a:rPr lang="en-US" dirty="0"/>
-              <a:t>Malvin talking points (?)</a:t>
-            </a:r>
-          </a:p>
-          <a:p>
-            <a:pPr marL="171450" indent="-171450">
-              <a:buFont typeface="Arial" panose="020B0604020202020204" pitchFamily="34" charset="0"/>
-              <a:buChar char="•"/>
-            </a:pPr>
-            <a:r>
-              <a:rPr lang="en-US" dirty="0"/>
-              <a:t>We use CFD as our “experimental lab”</a:t>
-            </a:r>
-          </a:p>
-          <a:p>
-            <a:pPr marL="628650" lvl="1" indent="-171450">
-              <a:buFont typeface="Arial" panose="020B0604020202020204" pitchFamily="34" charset="0"/>
-              <a:buChar char="•"/>
-            </a:pPr>
-            <a:r>
-              <a:rPr lang="en-US" dirty="0"/>
-              <a:t>From the known inlet tracer mass and outlet concentration curve, we estimate the cardiac output using Stewart-Hamilton principle</a:t>
-            </a:r>
-          </a:p>
-          <a:p>
-            <a:pPr marL="171450" lvl="0" indent="-171450">
-              <a:buFont typeface="Arial" panose="020B0604020202020204" pitchFamily="34" charset="0"/>
-              <a:buChar char="•"/>
-            </a:pPr>
-            <a:r>
-              <a:rPr lang="en-US" dirty="0"/>
-              <a:t>For the healthy aorta</a:t>
-            </a:r>
-          </a:p>
-          <a:p>
-            <a:pPr marL="628650" lvl="1" indent="-171450">
-              <a:buFont typeface="Arial" panose="020B0604020202020204" pitchFamily="34" charset="0"/>
-              <a:buChar char="•"/>
-            </a:pPr>
-            <a:r>
-              <a:rPr lang="en-US" dirty="0"/>
-              <a:t>Physiologically realistic value of 5L/min</a:t>
+              <a:t>From the known inlet tracer mass and outlet concentration curve, we estimate the cardiac output using Stewart-Hamilton principle. Finding the denominator by taking the area under the concentration and times.</a:t>
             </a:r>
           </a:p>
         </p:txBody>
@@ -2769,7 +3109,7 @@
           <a:p>
             <a:fld id="{F7A439AA-4617-4627-B5F6-FFD7862B74B0}" type="slidenum">
               <a:rPr lang="en-US" smtClean="0"/>
-              <a:t>8</a:t>
+              <a:t>9</a:t>
             </a:fld>
             <a:endParaRPr lang="en-US"/>
           </a:p>
@@ -2833,29 +3173,174 @@
           <a:lstStyle/>
           <a:p>
             <a:r>
-              <a:rPr lang="en-US" dirty="0"/>
-              <a:t>Malvin talking points (?)</a:t>
-            </a:r>
-          </a:p>
-          <a:p>
-            <a:pPr marL="171450" indent="-171450">
-              <a:buFont typeface="Arial" panose="020B0604020202020204" pitchFamily="34" charset="0"/>
-              <a:buChar char="•"/>
-            </a:pPr>
-            <a:r>
-              <a:rPr lang="en-US" dirty="0"/>
-              <a:t>We defined several tracer injection profiles</a:t>
-            </a:r>
-          </a:p>
-          <a:p>
-            <a:pPr marL="628650" lvl="1" indent="-171450">
-              <a:buFont typeface="Arial" panose="020B0604020202020204" pitchFamily="34" charset="0"/>
-              <a:buChar char="•"/>
-            </a:pPr>
-            <a:r>
-              <a:rPr lang="en-US" dirty="0"/>
-              <a:t>Rectangular, ramp and biphasic pulses to test how the model generalizes to different input signals</a:t>
-            </a:r>
+              <a:rPr lang="nb-NO" dirty="0" err="1"/>
+              <a:t>We</a:t>
+            </a:r>
+            <a:r>
+              <a:rPr lang="nb-NO" dirty="0"/>
+              <a:t> </a:t>
+            </a:r>
+            <a:r>
+              <a:rPr lang="nb-NO" dirty="0" err="1"/>
+              <a:t>created</a:t>
+            </a:r>
+            <a:r>
+              <a:rPr lang="nb-NO" dirty="0"/>
+              <a:t> a general </a:t>
+            </a:r>
+            <a:r>
+              <a:rPr lang="nb-NO" dirty="0" err="1"/>
+              <a:t>function</a:t>
+            </a:r>
+            <a:r>
+              <a:rPr lang="nb-NO" dirty="0"/>
+              <a:t> for </a:t>
+            </a:r>
+            <a:r>
+              <a:rPr lang="nb-NO" dirty="0" err="1"/>
+              <a:t>the</a:t>
+            </a:r>
+            <a:r>
+              <a:rPr lang="nb-NO" dirty="0"/>
+              <a:t> different </a:t>
+            </a:r>
+            <a:r>
+              <a:rPr lang="nb-NO" dirty="0" err="1"/>
+              <a:t>injection</a:t>
+            </a:r>
+            <a:r>
+              <a:rPr lang="nb-NO" dirty="0"/>
+              <a:t> </a:t>
+            </a:r>
+            <a:r>
+              <a:rPr lang="nb-NO" dirty="0" err="1"/>
+              <a:t>methods</a:t>
+            </a:r>
+            <a:r>
+              <a:rPr lang="nb-NO" dirty="0"/>
+              <a:t>, and </a:t>
+            </a:r>
+            <a:r>
+              <a:rPr lang="nb-NO" dirty="0" err="1"/>
+              <a:t>then</a:t>
+            </a:r>
+            <a:r>
+              <a:rPr lang="nb-NO" dirty="0"/>
+              <a:t> </a:t>
+            </a:r>
+            <a:r>
+              <a:rPr lang="nb-NO" dirty="0" err="1"/>
+              <a:t>creating</a:t>
+            </a:r>
+            <a:r>
+              <a:rPr lang="nb-NO" dirty="0"/>
+              <a:t> </a:t>
+            </a:r>
+            <a:r>
+              <a:rPr lang="nb-NO" dirty="0" err="1"/>
+              <a:t>the</a:t>
+            </a:r>
+            <a:r>
+              <a:rPr lang="nb-NO" dirty="0"/>
+              <a:t> </a:t>
+            </a:r>
+            <a:r>
+              <a:rPr lang="nb-NO" dirty="0" err="1"/>
+              <a:t>specific</a:t>
+            </a:r>
+            <a:r>
+              <a:rPr lang="nb-NO" dirty="0"/>
+              <a:t> cases, </a:t>
+            </a:r>
+            <a:r>
+              <a:rPr lang="nb-NO" dirty="0" err="1"/>
+              <a:t>where</a:t>
+            </a:r>
+            <a:r>
+              <a:rPr lang="nb-NO" dirty="0"/>
+              <a:t> </a:t>
+            </a:r>
+            <a:r>
+              <a:rPr lang="nb-NO" dirty="0" err="1"/>
+              <a:t>one</a:t>
+            </a:r>
+            <a:r>
+              <a:rPr lang="nb-NO" dirty="0"/>
+              <a:t> </a:t>
+            </a:r>
+            <a:r>
+              <a:rPr lang="nb-NO" dirty="0" err="1"/>
+              <a:t>can</a:t>
+            </a:r>
+            <a:r>
+              <a:rPr lang="nb-NO" dirty="0"/>
+              <a:t> </a:t>
+            </a:r>
+            <a:r>
+              <a:rPr lang="nb-NO" dirty="0" err="1"/>
+              <a:t>put</a:t>
+            </a:r>
+            <a:r>
+              <a:rPr lang="nb-NO" dirty="0"/>
+              <a:t> in a t and </a:t>
+            </a:r>
+            <a:r>
+              <a:rPr lang="nb-NO" dirty="0" err="1"/>
+              <a:t>get</a:t>
+            </a:r>
+            <a:r>
+              <a:rPr lang="nb-NO" dirty="0"/>
+              <a:t> </a:t>
+            </a:r>
+            <a:r>
+              <a:rPr lang="nb-NO" dirty="0" err="1"/>
+              <a:t>the</a:t>
+            </a:r>
+            <a:r>
+              <a:rPr lang="nb-NO" dirty="0"/>
+              <a:t> </a:t>
+            </a:r>
+            <a:r>
+              <a:rPr lang="nb-NO" dirty="0" err="1"/>
+              <a:t>concentration</a:t>
+            </a:r>
+            <a:r>
+              <a:rPr lang="nb-NO" dirty="0"/>
+              <a:t> </a:t>
+            </a:r>
+            <a:r>
+              <a:rPr lang="nb-NO" dirty="0" err="1"/>
+              <a:t>of</a:t>
+            </a:r>
+            <a:r>
+              <a:rPr lang="nb-NO" dirty="0"/>
+              <a:t> </a:t>
+            </a:r>
+            <a:r>
+              <a:rPr lang="nb-NO" dirty="0" err="1"/>
+              <a:t>the</a:t>
+            </a:r>
+            <a:r>
+              <a:rPr lang="nb-NO" dirty="0"/>
+              <a:t> </a:t>
+            </a:r>
+            <a:r>
+              <a:rPr lang="nb-NO" dirty="0" err="1"/>
+              <a:t>injection</a:t>
+            </a:r>
+            <a:r>
+              <a:rPr lang="nb-NO" dirty="0"/>
+              <a:t> </a:t>
+            </a:r>
+            <a:r>
+              <a:rPr lang="nb-NO" dirty="0" err="1"/>
+              <a:t>flow</a:t>
+            </a:r>
+            <a:r>
+              <a:rPr lang="nb-NO" dirty="0"/>
+              <a:t>.</a:t>
+            </a:r>
+            <a:endParaRPr lang="en-US" dirty="0"/>
           </a:p>
         </p:txBody>
       </p:sp>
@@ -2876,7 +3361,7 @@
           <a:p>
             <a:fld id="{F7A439AA-4617-4627-B5F6-FFD7862B74B0}" type="slidenum">
               <a:rPr lang="en-US" smtClean="0"/>
-              <a:t>9</a:t>
+              <a:t>10</a:t>
             </a:fld>
             <a:endParaRPr lang="en-US"/>
           </a:p>
@@ -3049,7 +3534,7 @@
           <a:p>
             <a:fld id="{A4B1EFC7-1B3C-4B0F-AFC7-781CD6B4747D}" type="datetime1">
               <a:rPr lang="en-US" smtClean="0"/>
-              <a:t>11/11/2025</a:t>
+              <a:t>11/12/2025</a:t>
             </a:fld>
             <a:endParaRPr lang="en-US"/>
           </a:p>
@@ -3247,7 +3732,7 @@
           <a:p>
             <a:fld id="{45A36719-8640-4027-924D-33E828541D99}" type="datetime1">
               <a:rPr lang="en-US" smtClean="0"/>
-              <a:t>11/11/2025</a:t>
+              <a:t>11/12/2025</a:t>
             </a:fld>
             <a:endParaRPr lang="en-US"/>
           </a:p>
@@ -3455,7 +3940,7 @@
           <a:p>
             <a:fld id="{BF978F77-05EF-4003-8D2E-60226B47138D}" type="datetime1">
               <a:rPr lang="en-US" smtClean="0"/>
-              <a:t>11/11/2025</a:t>
+              <a:t>11/12/2025</a:t>
             </a:fld>
             <a:endParaRPr lang="en-US"/>
           </a:p>
@@ -3696,7 +4181,7 @@
           <a:p>
             <a:fld id="{BFADE27B-BC99-4A0A-BCFD-ED0A267D9D51}" type="datetime1">
               <a:rPr lang="en-US" smtClean="0"/>
-              <a:t>11/11/2025</a:t>
+              <a:t>11/12/2025</a:t>
             </a:fld>
             <a:endParaRPr lang="en-US"/>
           </a:p>
@@ -3974,7 +4459,7 @@
           <a:p>
             <a:fld id="{77062175-7B16-402E-9E2A-82AFC18A8DE6}" type="datetime1">
               <a:rPr lang="en-US" smtClean="0"/>
-              <a:t>11/11/2025</a:t>
+              <a:t>11/12/2025</a:t>
             </a:fld>
             <a:endParaRPr lang="en-US"/>
           </a:p>
@@ -4244,7 +4729,7 @@
           <a:p>
             <a:fld id="{46B8267C-7252-40EA-A643-356AD4037C13}" type="datetime1">
               <a:rPr lang="en-US" smtClean="0"/>
-              <a:t>11/11/2025</a:t>
+              <a:t>11/12/2025</a:t>
             </a:fld>
             <a:endParaRPr lang="en-US"/>
           </a:p>
@@ -4666,7 +5151,7 @@
           <a:p>
             <a:fld id="{AE93C845-5CAB-4C98-B308-7DC64DC94442}" type="datetime1">
               <a:rPr lang="en-US" smtClean="0"/>
-              <a:t>11/11/2025</a:t>
+              <a:t>11/12/2025</a:t>
             </a:fld>
             <a:endParaRPr lang="en-US"/>
           </a:p>
@@ -4811,7 +5296,7 @@
           <a:p>
             <a:fld id="{C27C57F5-CCCF-4169-9887-C85A6A4A9305}" type="datetime1">
               <a:rPr lang="en-US" smtClean="0"/>
-              <a:t>11/11/2025</a:t>
+              <a:t>11/12/2025</a:t>
             </a:fld>
             <a:endParaRPr lang="en-US"/>
           </a:p>
@@ -4924,7 +5409,7 @@
           <a:p>
             <a:fld id="{F8C0A02F-ABD3-4941-934D-1D1C21EA3D08}" type="datetime1">
               <a:rPr lang="en-US" smtClean="0"/>
-              <a:t>11/11/2025</a:t>
+              <a:t>11/12/2025</a:t>
             </a:fld>
             <a:endParaRPr lang="en-US"/>
           </a:p>
@@ -5238,7 +5723,7 @@
           <a:p>
             <a:fld id="{68FC8457-5E11-4F74-9E39-A700DF498CFF}" type="datetime1">
               <a:rPr lang="en-US" smtClean="0"/>
-              <a:t>11/11/2025</a:t>
+              <a:t>11/12/2025</a:t>
             </a:fld>
             <a:endParaRPr lang="en-US"/>
           </a:p>
@@ -5532,7 +6017,7 @@
           <a:p>
             <a:fld id="{22796D06-1C8D-4B9D-9720-486DA66A489C}" type="datetime1">
               <a:rPr lang="en-US" smtClean="0"/>
-              <a:t>11/11/2025</a:t>
+              <a:t>11/12/2025</a:t>
             </a:fld>
             <a:endParaRPr lang="en-US"/>
           </a:p>
@@ -5771,7 +6256,7 @@
           <a:p>
             <a:fld id="{B8CF3C04-353E-43C9-BC6F-8427A61ACD27}" type="datetime1">
               <a:rPr lang="en-US" smtClean="0"/>
-              <a:t>11/11/2025</a:t>
+              <a:t>11/12/2025</a:t>
             </a:fld>
             <a:endParaRPr lang="en-US"/>
           </a:p>
@@ -5906,6 +6391,56 @@
           </a:fontRef>
         </p:style>
       </p:cxnSp>
+      <p:sp>
+        <p:nvSpPr>
+          <p:cNvPr id="8" name="TekstSylinder 7">
+            <a:extLst>
+              <a:ext uri="{FF2B5EF4-FFF2-40B4-BE49-F238E27FC236}">
+                <a16:creationId xmlns:a16="http://schemas.microsoft.com/office/drawing/2014/main" id="{20D6977A-2BC9-810F-50A5-2840DD0D6E96}"/>
+              </a:ext>
+            </a:extLst>
+          </p:cNvPr>
+          <p:cNvSpPr txBox="1"/>
+          <p:nvPr userDrawn="1">
+            <p:extLst>
+              <p:ext uri="{1162E1C5-73C7-4A58-AE30-91384D911F3F}">
+                <p184:classification xmlns:p184="http://schemas.microsoft.com/office/powerpoint/2018/4/main" val="ftr"/>
+              </p:ext>
+            </p:extLst>
+          </p:nvPr>
+        </p:nvSpPr>
+        <p:spPr>
+          <a:xfrm>
+            <a:off x="63500" y="6672580"/>
+            <a:ext cx="817563" cy="121920"/>
+          </a:xfrm>
+          <a:prstGeom prst="rect">
+            <a:avLst/>
+          </a:prstGeom>
+        </p:spPr>
+        <p:txBody>
+          <a:bodyPr horzOverflow="overflow" lIns="0" tIns="0" rIns="0" bIns="0">
+            <a:spAutoFit/>
+          </a:bodyPr>
+          <a:lstStyle/>
+          <a:p>
+            <a:pPr algn="l"/>
+            <a:r>
+              <a:rPr lang="en-US" sz="800">
+                <a:solidFill>
+                  <a:srgbClr val="000000">
+                    <a:alpha val="50000"/>
+                  </a:srgbClr>
+                </a:solidFill>
+                <a:latin typeface="Calibri" panose="020F0502020204030204" pitchFamily="34" charset="0"/>
+                <a:ea typeface="Calibri" panose="020F0502020204030204" pitchFamily="34" charset="0"/>
+                <a:cs typeface="Calibri" panose="020F0502020204030204" pitchFamily="34" charset="0"/>
+              </a:rPr>
+              <a:t>Sensitivity: Internal</a:t>
+            </a:r>
+          </a:p>
+        </p:txBody>
+      </p:sp>
     </p:spTree>
     <p:extLst>
       <p:ext uri="{BB962C8B-B14F-4D97-AF65-F5344CB8AC3E}">
@@ -6532,6 +7067,881 @@
 <file path=ppt/slides/slide10.xml><?xml version="1.0" encoding="utf-8"?>
 <p:sld xmlns:a="http://schemas.openxmlformats.org/drawingml/2006/main" xmlns:r="http://schemas.openxmlformats.org/officeDocument/2006/relationships" xmlns:p="http://schemas.openxmlformats.org/presentationml/2006/main">
   <p:cSld>
+    <p:spTree>
+      <p:nvGrpSpPr>
+        <p:cNvPr id="1" name=""/>
+        <p:cNvGrpSpPr/>
+        <p:nvPr/>
+      </p:nvGrpSpPr>
+      <p:grpSpPr>
+        <a:xfrm>
+          <a:off x="0" y="0"/>
+          <a:ext cx="0" cy="0"/>
+          <a:chOff x="0" y="0"/>
+          <a:chExt cx="0" cy="0"/>
+        </a:xfrm>
+      </p:grpSpPr>
+      <p:sp>
+        <p:nvSpPr>
+          <p:cNvPr id="2" name="Tittel 1">
+            <a:extLst>
+              <a:ext uri="{FF2B5EF4-FFF2-40B4-BE49-F238E27FC236}">
+                <a16:creationId xmlns:a16="http://schemas.microsoft.com/office/drawing/2014/main" id="{104603EF-45EA-360B-6884-2C41393F681A}"/>
+              </a:ext>
+            </a:extLst>
+          </p:cNvPr>
+          <p:cNvSpPr>
+            <a:spLocks noGrp="1"/>
+          </p:cNvSpPr>
+          <p:nvPr>
+            <p:ph type="title"/>
+          </p:nvPr>
+        </p:nvSpPr>
+        <p:spPr/>
+        <p:txBody>
+          <a:bodyPr/>
+          <a:lstStyle/>
+          <a:p>
+            <a:r>
+              <a:rPr lang="en-US" dirty="0"/>
+              <a:t>Injection Protocols &amp; Model Setup</a:t>
+            </a:r>
+          </a:p>
+        </p:txBody>
+      </p:sp>
+      <p:sp>
+        <p:nvSpPr>
+          <p:cNvPr id="4" name="Plassholder for lysbildenummer 3">
+            <a:extLst>
+              <a:ext uri="{FF2B5EF4-FFF2-40B4-BE49-F238E27FC236}">
+                <a16:creationId xmlns:a16="http://schemas.microsoft.com/office/drawing/2014/main" id="{1B2272CB-8123-9FB0-1B23-CCB603871E06}"/>
+              </a:ext>
+            </a:extLst>
+          </p:cNvPr>
+          <p:cNvSpPr>
+            <a:spLocks noGrp="1"/>
+          </p:cNvSpPr>
+          <p:nvPr>
+            <p:ph type="sldNum" sz="quarter" idx="12"/>
+          </p:nvPr>
+        </p:nvSpPr>
+        <p:spPr/>
+        <p:txBody>
+          <a:bodyPr/>
+          <a:lstStyle/>
+          <a:p>
+            <a:fld id="{719D7796-F675-488F-AC46-C88938C80352}" type="slidenum">
+              <a:rPr lang="en-US" smtClean="0"/>
+              <a:t>10</a:t>
+            </a:fld>
+            <a:endParaRPr lang="en-US"/>
+          </a:p>
+        </p:txBody>
+      </p:sp>
+      <p:pic>
+        <p:nvPicPr>
+          <p:cNvPr id="10" name="Plassholder for innhold 9">
+            <a:extLst>
+              <a:ext uri="{FF2B5EF4-FFF2-40B4-BE49-F238E27FC236}">
+                <a16:creationId xmlns:a16="http://schemas.microsoft.com/office/drawing/2014/main" id="{77F9C39D-226B-2492-32E8-3A76E5FBE4F6}"/>
+              </a:ext>
+            </a:extLst>
+          </p:cNvPr>
+          <p:cNvPicPr>
+            <a:picLocks noGrp="1" noChangeAspect="1"/>
+          </p:cNvPicPr>
+          <p:nvPr>
+            <p:ph idx="1"/>
+          </p:nvPr>
+        </p:nvPicPr>
+        <p:blipFill>
+          <a:blip r:embed="rId3"/>
+          <a:stretch>
+            <a:fillRect/>
+          </a:stretch>
+        </p:blipFill>
+        <p:spPr>
+          <a:xfrm>
+            <a:off x="5857374" y="2193946"/>
+            <a:ext cx="4286848" cy="381053"/>
+          </a:xfrm>
+          <a:prstGeom prst="rect">
+            <a:avLst/>
+          </a:prstGeom>
+        </p:spPr>
+      </p:pic>
+      <p:pic>
+        <p:nvPicPr>
+          <p:cNvPr id="12" name="Bilde 11">
+            <a:extLst>
+              <a:ext uri="{FF2B5EF4-FFF2-40B4-BE49-F238E27FC236}">
+                <a16:creationId xmlns:a16="http://schemas.microsoft.com/office/drawing/2014/main" id="{95317DF8-A5DB-0A63-E26F-DD34EEFB3972}"/>
+              </a:ext>
+            </a:extLst>
+          </p:cNvPr>
+          <p:cNvPicPr>
+            <a:picLocks noChangeAspect="1"/>
+          </p:cNvPicPr>
+          <p:nvPr/>
+        </p:nvPicPr>
+        <p:blipFill>
+          <a:blip r:embed="rId4"/>
+          <a:stretch>
+            <a:fillRect/>
+          </a:stretch>
+        </p:blipFill>
+        <p:spPr>
+          <a:xfrm>
+            <a:off x="5876208" y="2592078"/>
+            <a:ext cx="5134692" cy="3381847"/>
+          </a:xfrm>
+          <a:prstGeom prst="rect">
+            <a:avLst/>
+          </a:prstGeom>
+        </p:spPr>
+      </p:pic>
+      <mc:AlternateContent xmlns:mc="http://schemas.openxmlformats.org/markup-compatibility/2006" xmlns:a14="http://schemas.microsoft.com/office/drawing/2010/main">
+        <mc:Choice Requires="a14">
+          <p:sp>
+            <p:nvSpPr>
+              <p:cNvPr id="13" name="TekstSylinder 12">
+                <a:extLst>
+                  <a:ext uri="{FF2B5EF4-FFF2-40B4-BE49-F238E27FC236}">
+                    <a16:creationId xmlns:a16="http://schemas.microsoft.com/office/drawing/2014/main" id="{B2CFAAAE-77E8-54B0-1581-08771ABD33CD}"/>
+                  </a:ext>
+                </a:extLst>
+              </p:cNvPr>
+              <p:cNvSpPr txBox="1"/>
+              <p:nvPr/>
+            </p:nvSpPr>
+            <p:spPr>
+              <a:xfrm>
+                <a:off x="1088136" y="2193946"/>
+                <a:ext cx="4557290" cy="1200329"/>
+              </a:xfrm>
+              <a:prstGeom prst="rect">
+                <a:avLst/>
+              </a:prstGeom>
+              <a:noFill/>
+            </p:spPr>
+            <p:txBody>
+              <a:bodyPr wrap="square" rtlCol="0">
+                <a:spAutoFit/>
+              </a:bodyPr>
+              <a:lstStyle/>
+              <a:p>
+                <a:pPr marL="285750" indent="-285750">
+                  <a:buFont typeface="Arial" panose="020B0604020202020204" pitchFamily="34" charset="0"/>
+                  <a:buChar char="•"/>
+                </a:pPr>
+                <a:r>
+                  <a:rPr lang="en-US" dirty="0"/>
+                  <a:t>Examples of </a:t>
+                </a:r>
+                <a14:m>
+                  <m:oMath xmlns:m="http://schemas.openxmlformats.org/officeDocument/2006/math">
+                    <m:sSub>
+                      <m:sSubPr>
+                        <m:ctrlPr>
+                          <a:rPr lang="en-US" b="0" i="1" smtClean="0">
+                            <a:latin typeface="Cambria Math" panose="02040503050406030204" pitchFamily="18" charset="0"/>
+                          </a:rPr>
+                        </m:ctrlPr>
+                      </m:sSubPr>
+                      <m:e>
+                        <m:r>
+                          <a:rPr lang="en-US" b="0" i="1" smtClean="0">
+                            <a:latin typeface="Cambria Math" panose="02040503050406030204" pitchFamily="18" charset="0"/>
+                          </a:rPr>
+                          <m:t>𝐶</m:t>
+                        </m:r>
+                      </m:e>
+                      <m:sub>
+                        <m:r>
+                          <a:rPr lang="en-US" b="0" i="1" smtClean="0">
+                            <a:latin typeface="Cambria Math" panose="02040503050406030204" pitchFamily="18" charset="0"/>
+                          </a:rPr>
+                          <m:t>𝑖𝑛</m:t>
+                        </m:r>
+                      </m:sub>
+                    </m:sSub>
+                    <m:r>
+                      <a:rPr lang="en-US" b="0" i="1" smtClean="0">
+                        <a:latin typeface="Cambria Math" panose="02040503050406030204" pitchFamily="18" charset="0"/>
+                      </a:rPr>
+                      <m:t>(</m:t>
+                    </m:r>
+                    <m:r>
+                      <a:rPr lang="en-US" b="0" i="1" smtClean="0">
+                        <a:latin typeface="Cambria Math" panose="02040503050406030204" pitchFamily="18" charset="0"/>
+                      </a:rPr>
+                      <m:t>𝑡</m:t>
+                    </m:r>
+                    <m:r>
+                      <a:rPr lang="en-US" b="0" i="1" smtClean="0">
+                        <a:latin typeface="Cambria Math" panose="02040503050406030204" pitchFamily="18" charset="0"/>
+                      </a:rPr>
+                      <m:t>)</m:t>
+                    </m:r>
+                  </m:oMath>
+                </a14:m>
+                <a:r>
+                  <a:rPr lang="en-US" dirty="0"/>
+                  <a:t> shapes</a:t>
+                </a:r>
+              </a:p>
+              <a:p>
+                <a:pPr marL="742950" lvl="1" indent="-285750">
+                  <a:buFont typeface="Arial" panose="020B0604020202020204" pitchFamily="34" charset="0"/>
+                  <a:buChar char="•"/>
+                </a:pPr>
+                <a:r>
+                  <a:rPr lang="en-US" dirty="0"/>
+                  <a:t>Rectangular</a:t>
+                </a:r>
+              </a:p>
+              <a:p>
+                <a:pPr marL="742950" lvl="1" indent="-285750">
+                  <a:buFont typeface="Arial" panose="020B0604020202020204" pitchFamily="34" charset="0"/>
+                  <a:buChar char="•"/>
+                </a:pPr>
+                <a:r>
+                  <a:rPr lang="en-US" dirty="0"/>
+                  <a:t>Ramp</a:t>
+                </a:r>
+              </a:p>
+              <a:p>
+                <a:pPr marL="742950" lvl="1" indent="-285750">
+                  <a:buFont typeface="Arial" panose="020B0604020202020204" pitchFamily="34" charset="0"/>
+                  <a:buChar char="•"/>
+                </a:pPr>
+                <a:r>
+                  <a:rPr lang="en-US" dirty="0"/>
+                  <a:t>Biphasic</a:t>
+                </a:r>
+              </a:p>
+            </p:txBody>
+          </p:sp>
+        </mc:Choice>
+        <mc:Fallback xmlns="">
+          <p:sp>
+            <p:nvSpPr>
+              <p:cNvPr id="13" name="TekstSylinder 12">
+                <a:extLst>
+                  <a:ext uri="{FF2B5EF4-FFF2-40B4-BE49-F238E27FC236}">
+                    <a16:creationId xmlns:a16="http://schemas.microsoft.com/office/drawing/2014/main" id="{B2CFAAAE-77E8-54B0-1581-08771ABD33CD}"/>
+                  </a:ext>
+                </a:extLst>
+              </p:cNvPr>
+              <p:cNvSpPr txBox="1">
+                <a:spLocks noRot="1" noChangeAspect="1" noMove="1" noResize="1" noEditPoints="1" noAdjustHandles="1" noChangeArrowheads="1" noChangeShapeType="1" noTextEdit="1"/>
+              </p:cNvSpPr>
+              <p:nvPr/>
+            </p:nvSpPr>
+            <p:spPr>
+              <a:xfrm>
+                <a:off x="1088136" y="2193946"/>
+                <a:ext cx="4557290" cy="1200329"/>
+              </a:xfrm>
+              <a:prstGeom prst="rect">
+                <a:avLst/>
+              </a:prstGeom>
+              <a:blipFill>
+                <a:blip r:embed="rId5"/>
+                <a:stretch>
+                  <a:fillRect l="-937" t="-3046" b="-7107"/>
+                </a:stretch>
+              </a:blipFill>
+            </p:spPr>
+            <p:txBody>
+              <a:bodyPr/>
+              <a:lstStyle/>
+              <a:p>
+                <a:r>
+                  <a:rPr lang="en-US">
+                    <a:noFill/>
+                  </a:rPr>
+                  <a:t> </a:t>
+                </a:r>
+              </a:p>
+            </p:txBody>
+          </p:sp>
+        </mc:Fallback>
+      </mc:AlternateContent>
+    </p:spTree>
+    <p:extLst>
+      <p:ext uri="{BB962C8B-B14F-4D97-AF65-F5344CB8AC3E}">
+        <p14:creationId xmlns:p14="http://schemas.microsoft.com/office/powerpoint/2010/main" val="987412155"/>
+      </p:ext>
+    </p:extLst>
+  </p:cSld>
+  <p:clrMapOvr>
+    <a:masterClrMapping/>
+  </p:clrMapOvr>
+</p:sld>
+</file>
+
+<file path=ppt/slides/slide11.xml><?xml version="1.0" encoding="utf-8"?>
+<p:sld xmlns:a="http://schemas.openxmlformats.org/drawingml/2006/main" xmlns:r="http://schemas.openxmlformats.org/officeDocument/2006/relationships" xmlns:p="http://schemas.openxmlformats.org/presentationml/2006/main">
+  <p:cSld>
+    <p:spTree>
+      <p:nvGrpSpPr>
+        <p:cNvPr id="1" name=""/>
+        <p:cNvGrpSpPr/>
+        <p:nvPr/>
+      </p:nvGrpSpPr>
+      <p:grpSpPr>
+        <a:xfrm>
+          <a:off x="0" y="0"/>
+          <a:ext cx="0" cy="0"/>
+          <a:chOff x="0" y="0"/>
+          <a:chExt cx="0" cy="0"/>
+        </a:xfrm>
+      </p:grpSpPr>
+      <p:sp>
+        <p:nvSpPr>
+          <p:cNvPr id="2" name="Tittel 1">
+            <a:extLst>
+              <a:ext uri="{FF2B5EF4-FFF2-40B4-BE49-F238E27FC236}">
+                <a16:creationId xmlns:a16="http://schemas.microsoft.com/office/drawing/2014/main" id="{AFD4E365-1277-2492-445D-E5FCCADA020E}"/>
+              </a:ext>
+            </a:extLst>
+          </p:cNvPr>
+          <p:cNvSpPr>
+            <a:spLocks noGrp="1"/>
+          </p:cNvSpPr>
+          <p:nvPr>
+            <p:ph type="title"/>
+          </p:nvPr>
+        </p:nvSpPr>
+        <p:spPr>
+          <a:xfrm>
+            <a:off x="1134618" y="395283"/>
+            <a:ext cx="9922764" cy="1294228"/>
+          </a:xfrm>
+        </p:spPr>
+        <p:txBody>
+          <a:bodyPr/>
+          <a:lstStyle/>
+          <a:p>
+            <a:r>
+              <a:rPr lang="en-US" dirty="0"/>
+              <a:t>Fitting the Healthy Aorta Data</a:t>
+            </a:r>
+          </a:p>
+        </p:txBody>
+      </p:sp>
+      <p:pic>
+        <p:nvPicPr>
+          <p:cNvPr id="6" name="Plassholder for innhold 5">
+            <a:extLst>
+              <a:ext uri="{FF2B5EF4-FFF2-40B4-BE49-F238E27FC236}">
+                <a16:creationId xmlns:a16="http://schemas.microsoft.com/office/drawing/2014/main" id="{F268787F-990F-8FD0-3742-788950CDB362}"/>
+              </a:ext>
+            </a:extLst>
+          </p:cNvPr>
+          <p:cNvPicPr>
+            <a:picLocks noGrp="1" noChangeAspect="1"/>
+          </p:cNvPicPr>
+          <p:nvPr>
+            <p:ph idx="1"/>
+          </p:nvPr>
+        </p:nvPicPr>
+        <p:blipFill>
+          <a:blip r:embed="rId3"/>
+          <a:stretch>
+            <a:fillRect/>
+          </a:stretch>
+        </p:blipFill>
+        <p:spPr>
+          <a:xfrm>
+            <a:off x="6972300" y="1974408"/>
+            <a:ext cx="5219700" cy="1238250"/>
+          </a:xfrm>
+          <a:prstGeom prst="rect">
+            <a:avLst/>
+          </a:prstGeom>
+        </p:spPr>
+      </p:pic>
+      <p:sp>
+        <p:nvSpPr>
+          <p:cNvPr id="4" name="Plassholder for lysbildenummer 3">
+            <a:extLst>
+              <a:ext uri="{FF2B5EF4-FFF2-40B4-BE49-F238E27FC236}">
+                <a16:creationId xmlns:a16="http://schemas.microsoft.com/office/drawing/2014/main" id="{4508FD04-4625-B861-6918-42E6BB80164C}"/>
+              </a:ext>
+            </a:extLst>
+          </p:cNvPr>
+          <p:cNvSpPr>
+            <a:spLocks noGrp="1"/>
+          </p:cNvSpPr>
+          <p:nvPr>
+            <p:ph type="sldNum" sz="quarter" idx="12"/>
+          </p:nvPr>
+        </p:nvSpPr>
+        <p:spPr/>
+        <p:txBody>
+          <a:bodyPr/>
+          <a:lstStyle/>
+          <a:p>
+            <a:fld id="{719D7796-F675-488F-AC46-C88938C80352}" type="slidenum">
+              <a:rPr lang="en-US" smtClean="0"/>
+              <a:t>11</a:t>
+            </a:fld>
+            <a:endParaRPr lang="en-US"/>
+          </a:p>
+        </p:txBody>
+      </p:sp>
+      <p:pic>
+        <p:nvPicPr>
+          <p:cNvPr id="8" name="Bilde 7">
+            <a:extLst>
+              <a:ext uri="{FF2B5EF4-FFF2-40B4-BE49-F238E27FC236}">
+                <a16:creationId xmlns:a16="http://schemas.microsoft.com/office/drawing/2014/main" id="{3A653EC9-8B71-64BF-3971-8C941AFE1439}"/>
+              </a:ext>
+            </a:extLst>
+          </p:cNvPr>
+          <p:cNvPicPr>
+            <a:picLocks noChangeAspect="1"/>
+          </p:cNvPicPr>
+          <p:nvPr/>
+        </p:nvPicPr>
+        <p:blipFill>
+          <a:blip r:embed="rId4"/>
+          <a:stretch>
+            <a:fillRect/>
+          </a:stretch>
+        </p:blipFill>
+        <p:spPr>
+          <a:xfrm>
+            <a:off x="8257990" y="3782452"/>
+            <a:ext cx="2648320" cy="628738"/>
+          </a:xfrm>
+          <a:prstGeom prst="rect">
+            <a:avLst/>
+          </a:prstGeom>
+        </p:spPr>
+      </p:pic>
+      <mc:AlternateContent xmlns:mc="http://schemas.openxmlformats.org/markup-compatibility/2006">
+        <mc:Choice xmlns:a14="http://schemas.microsoft.com/office/drawing/2010/main" Requires="a14">
+          <p:sp>
+            <p:nvSpPr>
+              <p:cNvPr id="9" name="Plassholder for innhold 2">
+                <a:extLst>
+                  <a:ext uri="{FF2B5EF4-FFF2-40B4-BE49-F238E27FC236}">
+                    <a16:creationId xmlns:a16="http://schemas.microsoft.com/office/drawing/2014/main" id="{A4F2B3A4-31D9-2A82-EF6F-44E44380A2C3}"/>
+                  </a:ext>
+                </a:extLst>
+              </p:cNvPr>
+              <p:cNvSpPr txBox="1">
+                <a:spLocks/>
+              </p:cNvSpPr>
+              <p:nvPr/>
+            </p:nvSpPr>
+            <p:spPr>
+              <a:xfrm>
+                <a:off x="1033735" y="1914648"/>
+                <a:ext cx="4975768" cy="3028704"/>
+              </a:xfrm>
+              <a:prstGeom prst="rect">
+                <a:avLst/>
+              </a:prstGeom>
+            </p:spPr>
+            <p:txBody>
+              <a:bodyPr vert="horz" lIns="91440" tIns="45720" rIns="91440" bIns="45720" rtlCol="0">
+                <a:normAutofit/>
+              </a:bodyPr>
+              <a:lstStyle>
+                <a:lvl1pPr marL="228600" indent="-228600" algn="l" defTabSz="914400" rtl="0" eaLnBrk="1" latinLnBrk="0" hangingPunct="1">
+                  <a:lnSpc>
+                    <a:spcPct val="130000"/>
+                  </a:lnSpc>
+                  <a:spcBef>
+                    <a:spcPts val="1000"/>
+                  </a:spcBef>
+                  <a:buFont typeface="Neue Haas Grotesk Text Pro" panose="020B0504020202020204" pitchFamily="34" charset="0"/>
+                  <a:buChar char="-"/>
+                  <a:defRPr sz="1800" kern="1200">
+                    <a:solidFill>
+                      <a:schemeClr val="tx1"/>
+                    </a:solidFill>
+                    <a:latin typeface="+mn-lt"/>
+                    <a:ea typeface="+mn-ea"/>
+                    <a:cs typeface="+mn-cs"/>
+                  </a:defRPr>
+                </a:lvl1pPr>
+                <a:lvl2pPr marL="502920" indent="-228600" algn="l" defTabSz="914400" rtl="0" eaLnBrk="1" latinLnBrk="0" hangingPunct="1">
+                  <a:lnSpc>
+                    <a:spcPct val="130000"/>
+                  </a:lnSpc>
+                  <a:spcBef>
+                    <a:spcPts val="500"/>
+                  </a:spcBef>
+                  <a:buFont typeface="Neue Haas Grotesk Text Pro" panose="020B0504020202020204" pitchFamily="34" charset="0"/>
+                  <a:buChar char="-"/>
+                  <a:defRPr sz="1800" kern="1200">
+                    <a:solidFill>
+                      <a:schemeClr val="tx1"/>
+                    </a:solidFill>
+                    <a:latin typeface="+mn-lt"/>
+                    <a:ea typeface="+mn-ea"/>
+                    <a:cs typeface="+mn-cs"/>
+                  </a:defRPr>
+                </a:lvl2pPr>
+                <a:lvl3pPr marL="731520" indent="-228600" algn="l" defTabSz="914400" rtl="0" eaLnBrk="1" latinLnBrk="0" hangingPunct="1">
+                  <a:lnSpc>
+                    <a:spcPct val="130000"/>
+                  </a:lnSpc>
+                  <a:spcBef>
+                    <a:spcPts val="500"/>
+                  </a:spcBef>
+                  <a:buFont typeface="Neue Haas Grotesk Text Pro" panose="020B0504020202020204" pitchFamily="34" charset="0"/>
+                  <a:buChar char="-"/>
+                  <a:defRPr sz="1600" kern="1200">
+                    <a:solidFill>
+                      <a:schemeClr val="tx1"/>
+                    </a:solidFill>
+                    <a:latin typeface="+mn-lt"/>
+                    <a:ea typeface="+mn-ea"/>
+                    <a:cs typeface="+mn-cs"/>
+                  </a:defRPr>
+                </a:lvl3pPr>
+                <a:lvl4pPr marL="1005840" indent="-228600" algn="l" defTabSz="914400" rtl="0" eaLnBrk="1" latinLnBrk="0" hangingPunct="1">
+                  <a:lnSpc>
+                    <a:spcPct val="130000"/>
+                  </a:lnSpc>
+                  <a:spcBef>
+                    <a:spcPts val="500"/>
+                  </a:spcBef>
+                  <a:buFont typeface="Neue Haas Grotesk Text Pro" panose="020B0504020202020204" pitchFamily="34" charset="0"/>
+                  <a:buChar char="-"/>
+                  <a:defRPr sz="1400" kern="1200">
+                    <a:solidFill>
+                      <a:schemeClr val="tx1"/>
+                    </a:solidFill>
+                    <a:latin typeface="+mn-lt"/>
+                    <a:ea typeface="+mn-ea"/>
+                    <a:cs typeface="+mn-cs"/>
+                  </a:defRPr>
+                </a:lvl4pPr>
+                <a:lvl5pPr marL="1280160" indent="-228600" algn="l" defTabSz="914400" rtl="0" eaLnBrk="1" latinLnBrk="0" hangingPunct="1">
+                  <a:lnSpc>
+                    <a:spcPct val="130000"/>
+                  </a:lnSpc>
+                  <a:spcBef>
+                    <a:spcPts val="500"/>
+                  </a:spcBef>
+                  <a:buFont typeface="Neue Haas Grotesk Text Pro" panose="020B0504020202020204" pitchFamily="34" charset="0"/>
+                  <a:buChar char="-"/>
+                  <a:defRPr sz="1400" kern="1200">
+                    <a:solidFill>
+                      <a:schemeClr val="tx1"/>
+                    </a:solidFill>
+                    <a:latin typeface="+mn-lt"/>
+                    <a:ea typeface="+mn-ea"/>
+                    <a:cs typeface="+mn-cs"/>
+                  </a:defRPr>
+                </a:lvl5pPr>
+                <a:lvl6pPr marL="2514600" indent="-228600" algn="l" defTabSz="914400" rtl="0" eaLnBrk="1" latinLnBrk="0" hangingPunct="1">
+                  <a:lnSpc>
+                    <a:spcPct val="90000"/>
+                  </a:lnSpc>
+                  <a:spcBef>
+                    <a:spcPts val="500"/>
+                  </a:spcBef>
+                  <a:buFont typeface="Arial" panose="020B0604020202020204" pitchFamily="34" charset="0"/>
+                  <a:buChar char="•"/>
+                  <a:defRPr sz="1800" kern="1200">
+                    <a:solidFill>
+                      <a:schemeClr val="tx1"/>
+                    </a:solidFill>
+                    <a:latin typeface="+mn-lt"/>
+                    <a:ea typeface="+mn-ea"/>
+                    <a:cs typeface="+mn-cs"/>
+                  </a:defRPr>
+                </a:lvl6pPr>
+                <a:lvl7pPr marL="2971800" indent="-228600" algn="l" defTabSz="914400" rtl="0" eaLnBrk="1" latinLnBrk="0" hangingPunct="1">
+                  <a:lnSpc>
+                    <a:spcPct val="90000"/>
+                  </a:lnSpc>
+                  <a:spcBef>
+                    <a:spcPts val="500"/>
+                  </a:spcBef>
+                  <a:buFont typeface="Arial" panose="020B0604020202020204" pitchFamily="34" charset="0"/>
+                  <a:buChar char="•"/>
+                  <a:defRPr sz="1800" kern="1200">
+                    <a:solidFill>
+                      <a:schemeClr val="tx1"/>
+                    </a:solidFill>
+                    <a:latin typeface="+mn-lt"/>
+                    <a:ea typeface="+mn-ea"/>
+                    <a:cs typeface="+mn-cs"/>
+                  </a:defRPr>
+                </a:lvl7pPr>
+                <a:lvl8pPr marL="3429000" indent="-228600" algn="l" defTabSz="914400" rtl="0" eaLnBrk="1" latinLnBrk="0" hangingPunct="1">
+                  <a:lnSpc>
+                    <a:spcPct val="90000"/>
+                  </a:lnSpc>
+                  <a:spcBef>
+                    <a:spcPts val="500"/>
+                  </a:spcBef>
+                  <a:buFont typeface="Arial" panose="020B0604020202020204" pitchFamily="34" charset="0"/>
+                  <a:buChar char="•"/>
+                  <a:defRPr sz="1800" kern="1200">
+                    <a:solidFill>
+                      <a:schemeClr val="tx1"/>
+                    </a:solidFill>
+                    <a:latin typeface="+mn-lt"/>
+                    <a:ea typeface="+mn-ea"/>
+                    <a:cs typeface="+mn-cs"/>
+                  </a:defRPr>
+                </a:lvl8pPr>
+                <a:lvl9pPr marL="3886200" indent="-228600" algn="l" defTabSz="914400" rtl="0" eaLnBrk="1" latinLnBrk="0" hangingPunct="1">
+                  <a:lnSpc>
+                    <a:spcPct val="90000"/>
+                  </a:lnSpc>
+                  <a:spcBef>
+                    <a:spcPts val="500"/>
+                  </a:spcBef>
+                  <a:buFont typeface="Arial" panose="020B0604020202020204" pitchFamily="34" charset="0"/>
+                  <a:buChar char="•"/>
+                  <a:defRPr sz="1800" kern="1200">
+                    <a:solidFill>
+                      <a:schemeClr val="tx1"/>
+                    </a:solidFill>
+                    <a:latin typeface="+mn-lt"/>
+                    <a:ea typeface="+mn-ea"/>
+                    <a:cs typeface="+mn-cs"/>
+                  </a:defRPr>
+                </a:lvl9pPr>
+              </a:lstStyle>
+              <a:p>
+                <a:pPr>
+                  <a:buFont typeface="Arial" panose="020B0604020202020204" pitchFamily="34" charset="0"/>
+                  <a:buChar char="•"/>
+                </a:pPr>
+                <a:r>
+                  <a:rPr lang="nb-NO" dirty="0"/>
+                  <a:t>Want to </a:t>
+                </a:r>
+                <a:r>
+                  <a:rPr lang="nb-NO" dirty="0" err="1"/>
+                  <a:t>find</a:t>
+                </a:r>
+                <a:r>
+                  <a:rPr lang="nb-NO" dirty="0"/>
+                  <a:t> optimal </a:t>
+                </a:r>
+                <a14:m>
+                  <m:oMath xmlns:m="http://schemas.openxmlformats.org/officeDocument/2006/math">
+                    <m:r>
+                      <a:rPr lang="nb-NO" i="1">
+                        <a:latin typeface="Cambria Math" panose="02040503050406030204" pitchFamily="18" charset="0"/>
+                      </a:rPr>
+                      <m:t>𝜏</m:t>
+                    </m:r>
+                  </m:oMath>
+                </a14:m>
+                <a:r>
+                  <a:rPr lang="nb-NO" dirty="0"/>
+                  <a:t> and n to </a:t>
+                </a:r>
+                <a:r>
+                  <a:rPr lang="nb-NO" dirty="0" err="1"/>
+                  <a:t>minimize</a:t>
+                </a:r>
+                <a:r>
+                  <a:rPr lang="nb-NO" dirty="0"/>
+                  <a:t> SSR.</a:t>
+                </a:r>
+              </a:p>
+              <a:p>
+                <a:pPr>
+                  <a:buFont typeface="Arial" panose="020B0604020202020204" pitchFamily="34" charset="0"/>
+                  <a:buChar char="•"/>
+                </a:pPr>
+                <a:r>
+                  <a:rPr lang="nb-NO" dirty="0"/>
+                  <a:t> </a:t>
+                </a:r>
+                <a14:m>
+                  <m:oMath xmlns:m="http://schemas.openxmlformats.org/officeDocument/2006/math">
+                    <m:f>
+                      <m:fPr>
+                        <m:ctrlPr>
+                          <a:rPr lang="nb-NO" b="0" i="1" smtClean="0">
+                            <a:latin typeface="Cambria Math" panose="02040503050406030204" pitchFamily="18" charset="0"/>
+                          </a:rPr>
+                        </m:ctrlPr>
+                      </m:fPr>
+                      <m:num>
+                        <m:r>
+                          <a:rPr lang="nb-NO" b="0" i="1" smtClean="0">
+                            <a:latin typeface="Cambria Math" panose="02040503050406030204" pitchFamily="18" charset="0"/>
+                          </a:rPr>
+                          <m:t>𝑑𝑆𝑆𝑅</m:t>
+                        </m:r>
+                      </m:num>
+                      <m:den>
+                        <m:r>
+                          <a:rPr lang="nb-NO" b="0" i="1" smtClean="0">
+                            <a:latin typeface="Cambria Math" panose="02040503050406030204" pitchFamily="18" charset="0"/>
+                          </a:rPr>
+                          <m:t>𝑑</m:t>
+                        </m:r>
+                        <m:r>
+                          <a:rPr lang="nb-NO" b="0" i="1" smtClean="0">
+                            <a:latin typeface="Cambria Math" panose="02040503050406030204" pitchFamily="18" charset="0"/>
+                          </a:rPr>
+                          <m:t>𝜏</m:t>
+                        </m:r>
+                      </m:den>
+                    </m:f>
+                    <m:r>
+                      <a:rPr lang="nb-NO" b="0" i="1" smtClean="0">
+                        <a:latin typeface="Cambria Math" panose="02040503050406030204" pitchFamily="18" charset="0"/>
+                      </a:rPr>
+                      <m:t>=0</m:t>
+                    </m:r>
+                  </m:oMath>
+                </a14:m>
+                <a:endParaRPr lang="nb-NO" b="0" dirty="0"/>
+              </a:p>
+              <a:p>
+                <a:pPr>
+                  <a:buFont typeface="Arial" panose="020B0604020202020204" pitchFamily="34" charset="0"/>
+                  <a:buChar char="•"/>
+                </a:pPr>
+                <a:r>
+                  <a:rPr lang="en-US" dirty="0"/>
+                  <a:t>Finding optimal  </a:t>
+                </a:r>
+                <a14:m>
+                  <m:oMath xmlns:m="http://schemas.openxmlformats.org/officeDocument/2006/math">
+                    <m:r>
+                      <a:rPr lang="nb-NO" b="0" i="1" smtClean="0">
+                        <a:latin typeface="Cambria Math" panose="02040503050406030204" pitchFamily="18" charset="0"/>
+                      </a:rPr>
+                      <m:t>𝜏</m:t>
+                    </m:r>
+                  </m:oMath>
+                </a14:m>
+                <a:r>
+                  <a:rPr lang="en-US" dirty="0"/>
+                  <a:t> with secant method for each n.</a:t>
+                </a:r>
+              </a:p>
+              <a:p>
+                <a:pPr>
+                  <a:buFont typeface="Arial" panose="020B0604020202020204" pitchFamily="34" charset="0"/>
+                  <a:buChar char="•"/>
+                </a:pPr>
+                <a:r>
+                  <a:rPr lang="en-US" dirty="0"/>
+                  <a:t>Grid search for n</a:t>
+                </a:r>
+              </a:p>
+              <a:p>
+                <a:pPr>
+                  <a:buFont typeface="Arial" panose="020B0604020202020204" pitchFamily="34" charset="0"/>
+                  <a:buChar char="•"/>
+                </a:pPr>
+                <a:endParaRPr lang="en-US" dirty="0"/>
+              </a:p>
+            </p:txBody>
+          </p:sp>
+        </mc:Choice>
+        <mc:Fallback>
+          <p:sp>
+            <p:nvSpPr>
+              <p:cNvPr id="9" name="Plassholder for innhold 2">
+                <a:extLst>
+                  <a:ext uri="{FF2B5EF4-FFF2-40B4-BE49-F238E27FC236}">
+                    <a16:creationId xmlns:a16="http://schemas.microsoft.com/office/drawing/2014/main" id="{A4F2B3A4-31D9-2A82-EF6F-44E44380A2C3}"/>
+                  </a:ext>
+                </a:extLst>
+              </p:cNvPr>
+              <p:cNvSpPr txBox="1">
+                <a:spLocks noRot="1" noChangeAspect="1" noMove="1" noResize="1" noEditPoints="1" noAdjustHandles="1" noChangeArrowheads="1" noChangeShapeType="1" noTextEdit="1"/>
+              </p:cNvSpPr>
+              <p:nvPr/>
+            </p:nvSpPr>
+            <p:spPr>
+              <a:xfrm>
+                <a:off x="1033735" y="1914648"/>
+                <a:ext cx="4975768" cy="3028704"/>
+              </a:xfrm>
+              <a:prstGeom prst="rect">
+                <a:avLst/>
+              </a:prstGeom>
+              <a:blipFill>
+                <a:blip r:embed="rId5"/>
+                <a:stretch>
+                  <a:fillRect l="-858"/>
+                </a:stretch>
+              </a:blipFill>
+            </p:spPr>
+            <p:txBody>
+              <a:bodyPr/>
+              <a:lstStyle/>
+              <a:p>
+                <a:r>
+                  <a:rPr lang="en-US">
+                    <a:noFill/>
+                  </a:rPr>
+                  <a:t> </a:t>
+                </a:r>
+              </a:p>
+            </p:txBody>
+          </p:sp>
+        </mc:Fallback>
+      </mc:AlternateContent>
+      <p:pic>
+        <p:nvPicPr>
+          <p:cNvPr id="11" name="Bilde 10">
+            <a:extLst>
+              <a:ext uri="{FF2B5EF4-FFF2-40B4-BE49-F238E27FC236}">
+                <a16:creationId xmlns:a16="http://schemas.microsoft.com/office/drawing/2014/main" id="{03150A3B-B522-F662-BE49-6CE51799160A}"/>
+              </a:ext>
+            </a:extLst>
+          </p:cNvPr>
+          <p:cNvPicPr>
+            <a:picLocks noChangeAspect="1"/>
+          </p:cNvPicPr>
+          <p:nvPr/>
+        </p:nvPicPr>
+        <p:blipFill>
+          <a:blip r:embed="rId6"/>
+          <a:stretch>
+            <a:fillRect/>
+          </a:stretch>
+        </p:blipFill>
+        <p:spPr>
+          <a:xfrm>
+            <a:off x="3456720" y="3942983"/>
+            <a:ext cx="4801270" cy="2629267"/>
+          </a:xfrm>
+          <a:prstGeom prst="rect">
+            <a:avLst/>
+          </a:prstGeom>
+        </p:spPr>
+      </p:pic>
+    </p:spTree>
+    <p:extLst>
+      <p:ext uri="{BB962C8B-B14F-4D97-AF65-F5344CB8AC3E}">
+        <p14:creationId xmlns:p14="http://schemas.microsoft.com/office/powerpoint/2010/main" val="1499581676"/>
+      </p:ext>
+    </p:extLst>
+  </p:cSld>
+  <p:clrMapOvr>
+    <a:masterClrMapping/>
+  </p:clrMapOvr>
+</p:sld>
+</file>
+
+<file path=ppt/slides/slide12.xml><?xml version="1.0" encoding="utf-8"?>
+<p:sld xmlns:a="http://schemas.openxmlformats.org/drawingml/2006/main" xmlns:r="http://schemas.openxmlformats.org/officeDocument/2006/relationships" xmlns:p="http://schemas.openxmlformats.org/presentationml/2006/main">
+  <p:cSld>
     <p:bg>
       <p:bgPr>
         <a:solidFill>
@@ -6659,7 +8069,7 @@
           <a:lstStyle/>
           <a:p>
             <a:r>
-              <a:rPr lang="en-US" sz="4000"/>
+              <a:rPr lang="en-US" sz="4000" dirty="0"/>
               <a:t>Fitting the Healthy Aorta Data</a:t>
             </a:r>
           </a:p>
@@ -6741,7 +8151,7 @@
         </p:spPr>
         <p:txBody>
           <a:bodyPr>
-            <a:normAutofit lnSpcReduction="10000"/>
+            <a:normAutofit/>
           </a:bodyPr>
           <a:lstStyle/>
           <a:p>
@@ -6751,68 +8161,248 @@
             </a:pPr>
             <a:r>
               <a:rPr lang="en-US" dirty="0"/>
-              <a:t>Objective: Minimize SSR</a:t>
-            </a:r>
-          </a:p>
+              <a:t>Results</a:t>
+            </a:r>
+          </a:p>
+          <a:p>
+            <a:pPr lvl="1">
+              <a:buFont typeface="Arial" panose="020B0604020202020204" pitchFamily="34" charset="0"/>
+              <a:buChar char="•"/>
+            </a:pPr>
+            <a:r>
+              <a:rPr lang="en-US" dirty="0"/>
+              <a:t>n = 49</a:t>
+            </a:r>
+          </a:p>
+          <a:p>
+            <a:pPr lvl="1">
+              <a:buFont typeface="Arial" panose="020B0604020202020204" pitchFamily="34" charset="0"/>
+              <a:buChar char="•"/>
+            </a:pPr>
+            <a:r>
+              <a:rPr lang="en-US" dirty="0"/>
+              <a:t>Tau = 2.36</a:t>
+            </a:r>
+          </a:p>
+        </p:txBody>
+      </p:sp>
+      <p:sp>
+        <p:nvSpPr>
+          <p:cNvPr id="4" name="Plassholder for lysbildenummer 3">
+            <a:extLst>
+              <a:ext uri="{FF2B5EF4-FFF2-40B4-BE49-F238E27FC236}">
+                <a16:creationId xmlns:a16="http://schemas.microsoft.com/office/drawing/2014/main" id="{C2221742-AA8A-8B5D-CC02-2D5040A1C14C}"/>
+              </a:ext>
+            </a:extLst>
+          </p:cNvPr>
+          <p:cNvSpPr>
+            <a:spLocks noGrp="1"/>
+          </p:cNvSpPr>
+          <p:nvPr>
+            <p:ph type="sldNum" sz="quarter" idx="12"/>
+          </p:nvPr>
+        </p:nvSpPr>
+        <p:spPr>
+          <a:xfrm>
+            <a:off x="10983190" y="6389688"/>
+            <a:ext cx="940296" cy="365125"/>
+          </a:xfrm>
+        </p:spPr>
+        <p:txBody>
+          <a:bodyPr>
+            <a:normAutofit/>
+          </a:bodyPr>
+          <a:lstStyle/>
           <a:p>
             <a:pPr>
-              <a:buFont typeface="Arial" panose="020B0604020202020204" pitchFamily="34" charset="0"/>
-              <a:buChar char="•"/>
-            </a:pPr>
-            <a:r>
-              <a:rPr lang="en-US" dirty="0"/>
-              <a:t>Optimization via Scant Method</a:t>
-            </a:r>
-          </a:p>
-          <a:p>
-            <a:pPr>
-              <a:buFont typeface="Arial" panose="020B0604020202020204" pitchFamily="34" charset="0"/>
-              <a:buChar char="•"/>
-            </a:pPr>
-            <a:r>
-              <a:rPr lang="en-US" dirty="0"/>
+              <a:spcAft>
+                <a:spcPts val="600"/>
+              </a:spcAft>
+            </a:pPr>
+            <a:fld id="{719D7796-F675-488F-AC46-C88938C80352}" type="slidenum">
+              <a:rPr lang="en-US" smtClean="0"/>
+              <a:pPr>
+                <a:spcAft>
+                  <a:spcPts val="600"/>
+                </a:spcAft>
+              </a:pPr>
+              <a:t>12</a:t>
+            </a:fld>
+            <a:endParaRPr lang="en-US"/>
+          </a:p>
+        </p:txBody>
+      </p:sp>
+      <p:pic>
+        <p:nvPicPr>
+          <p:cNvPr id="7" name="Bilde 6">
+            <a:extLst>
+              <a:ext uri="{FF2B5EF4-FFF2-40B4-BE49-F238E27FC236}">
+                <a16:creationId xmlns:a16="http://schemas.microsoft.com/office/drawing/2014/main" id="{F6D38DA0-1371-DAF9-9620-3DF9F257687F}"/>
+              </a:ext>
+            </a:extLst>
+          </p:cNvPr>
+          <p:cNvPicPr>
+            <a:picLocks noChangeAspect="1"/>
+          </p:cNvPicPr>
+          <p:nvPr/>
+        </p:nvPicPr>
+        <p:blipFill>
+          <a:blip r:embed="rId3"/>
+          <a:srcRect b="1505"/>
+          <a:stretch>
+            <a:fillRect/>
+          </a:stretch>
+        </p:blipFill>
+        <p:spPr>
+          <a:xfrm>
+            <a:off x="5780059" y="0"/>
+            <a:ext cx="5574585" cy="6754813"/>
+          </a:xfrm>
+          <a:prstGeom prst="rect">
+            <a:avLst/>
+          </a:prstGeom>
+        </p:spPr>
+      </p:pic>
+    </p:spTree>
+    <p:extLst>
+      <p:ext uri="{BB962C8B-B14F-4D97-AF65-F5344CB8AC3E}">
+        <p14:creationId xmlns:p14="http://schemas.microsoft.com/office/powerpoint/2010/main" val="1031553334"/>
+      </p:ext>
+    </p:extLst>
+  </p:cSld>
+  <p:clrMapOvr>
+    <a:masterClrMapping/>
+  </p:clrMapOvr>
+</p:sld>
+</file>
+
+<file path=ppt/slides/slide13.xml><?xml version="1.0" encoding="utf-8"?>
+<p:sld xmlns:a="http://schemas.openxmlformats.org/drawingml/2006/main" xmlns:r="http://schemas.openxmlformats.org/officeDocument/2006/relationships" xmlns:p="http://schemas.openxmlformats.org/presentationml/2006/main">
+  <p:cSld>
+    <p:spTree>
+      <p:nvGrpSpPr>
+        <p:cNvPr id="1" name=""/>
+        <p:cNvGrpSpPr/>
+        <p:nvPr/>
+      </p:nvGrpSpPr>
+      <p:grpSpPr>
+        <a:xfrm>
+          <a:off x="0" y="0"/>
+          <a:ext cx="0" cy="0"/>
+          <a:chOff x="0" y="0"/>
+          <a:chExt cx="0" cy="0"/>
+        </a:xfrm>
+      </p:grpSpPr>
+      <p:sp>
+        <p:nvSpPr>
+          <p:cNvPr id="2" name="Tittel 1">
+            <a:extLst>
+              <a:ext uri="{FF2B5EF4-FFF2-40B4-BE49-F238E27FC236}">
+                <a16:creationId xmlns:a16="http://schemas.microsoft.com/office/drawing/2014/main" id="{8348472B-5E29-BC0C-F6AC-BCB9F1607170}"/>
+              </a:ext>
+            </a:extLst>
+          </p:cNvPr>
+          <p:cNvSpPr>
+            <a:spLocks noGrp="1"/>
+          </p:cNvSpPr>
+          <p:nvPr>
+            <p:ph type="title"/>
+          </p:nvPr>
+        </p:nvSpPr>
+        <p:spPr/>
+        <p:txBody>
+          <a:bodyPr/>
+          <a:lstStyle/>
+          <a:p>
+            <a:r>
+              <a:rPr lang="nb-NO" dirty="0" err="1"/>
               <a:t>Results</a:t>
             </a:r>
-          </a:p>
-          <a:p>
-            <a:pPr lvl="1">
-              <a:buFont typeface="Arial" panose="020B0604020202020204" pitchFamily="34" charset="0"/>
-              <a:buChar char="•"/>
-            </a:pPr>
-            <a:r>
-              <a:rPr lang="en-US" dirty="0"/>
-              <a:t>n = 49</a:t>
-            </a:r>
-          </a:p>
-          <a:p>
-            <a:pPr lvl="1">
-              <a:buFont typeface="Arial" panose="020B0604020202020204" pitchFamily="34" charset="0"/>
-              <a:buChar char="•"/>
-            </a:pPr>
-            <a:r>
-              <a:rPr lang="en-US" dirty="0"/>
-              <a:t>Tau = 2.36</a:t>
-            </a:r>
-          </a:p>
-          <a:p>
-            <a:pPr lvl="1">
-              <a:buFont typeface="Arial" panose="020B0604020202020204" pitchFamily="34" charset="0"/>
-              <a:buChar char="•"/>
-            </a:pPr>
-            <a:r>
-              <a:rPr lang="en-US" dirty="0"/>
-              <a:t>SSR = 0.032</a:t>
-            </a:r>
-          </a:p>
-          <a:p>
-            <a:pPr>
-              <a:buFont typeface="Arial" panose="020B0604020202020204" pitchFamily="34" charset="0"/>
-              <a:buChar char="•"/>
-            </a:pPr>
-            <a:r>
-              <a:rPr lang="en-US" dirty="0"/>
-              <a:t>Plot: Model vs CFD</a:t>
-            </a:r>
+            <a:endParaRPr lang="en-US" dirty="0"/>
+          </a:p>
+        </p:txBody>
+      </p:sp>
+      <p:sp>
+        <p:nvSpPr>
+          <p:cNvPr id="3" name="Plassholder for innhold 2">
+            <a:extLst>
+              <a:ext uri="{FF2B5EF4-FFF2-40B4-BE49-F238E27FC236}">
+                <a16:creationId xmlns:a16="http://schemas.microsoft.com/office/drawing/2014/main" id="{B18FC8E0-D43A-5901-A86B-CD6ADEACAF1C}"/>
+              </a:ext>
+            </a:extLst>
+          </p:cNvPr>
+          <p:cNvSpPr>
+            <a:spLocks noGrp="1"/>
+          </p:cNvSpPr>
+          <p:nvPr>
+            <p:ph idx="1"/>
+          </p:nvPr>
+        </p:nvSpPr>
+        <p:spPr/>
+        <p:txBody>
+          <a:bodyPr/>
+          <a:lstStyle/>
+          <a:p>
+            <a:r>
+              <a:rPr lang="nb-NO" dirty="0"/>
+              <a:t>Overall </a:t>
+            </a:r>
+            <a:r>
+              <a:rPr lang="nb-NO" dirty="0" err="1"/>
+              <a:t>good</a:t>
+            </a:r>
+            <a:r>
+              <a:rPr lang="nb-NO" dirty="0"/>
+              <a:t> match</a:t>
+            </a:r>
+          </a:p>
+          <a:p>
+            <a:r>
+              <a:rPr lang="nb-NO" dirty="0" err="1"/>
+              <a:t>Biphasic</a:t>
+            </a:r>
+            <a:r>
+              <a:rPr lang="nb-NO" dirty="0"/>
+              <a:t> </a:t>
+            </a:r>
+            <a:r>
+              <a:rPr lang="nb-NO" dirty="0" err="1"/>
+              <a:t>highest</a:t>
+            </a:r>
+            <a:r>
+              <a:rPr lang="nb-NO" dirty="0"/>
+              <a:t> SSR</a:t>
+            </a:r>
+            <a:endParaRPr lang="en-US" dirty="0"/>
+          </a:p>
+        </p:txBody>
+      </p:sp>
+      <p:sp>
+        <p:nvSpPr>
+          <p:cNvPr id="4" name="Plassholder for lysbildenummer 3">
+            <a:extLst>
+              <a:ext uri="{FF2B5EF4-FFF2-40B4-BE49-F238E27FC236}">
+                <a16:creationId xmlns:a16="http://schemas.microsoft.com/office/drawing/2014/main" id="{A230DE5F-B903-BCBA-F98F-0F4ECA7A8DC2}"/>
+              </a:ext>
+            </a:extLst>
+          </p:cNvPr>
+          <p:cNvSpPr>
+            <a:spLocks noGrp="1"/>
+          </p:cNvSpPr>
+          <p:nvPr>
+            <p:ph type="sldNum" sz="quarter" idx="12"/>
+          </p:nvPr>
+        </p:nvSpPr>
+        <p:spPr/>
+        <p:txBody>
+          <a:bodyPr/>
+          <a:lstStyle/>
+          <a:p>
+            <a:fld id="{719D7796-F675-488F-AC46-C88938C80352}" type="slidenum">
+              <a:rPr lang="en-US" smtClean="0"/>
+              <a:t>13</a:t>
+            </a:fld>
+            <a:endParaRPr lang="en-US"/>
           </a:p>
         </p:txBody>
       </p:sp>
@@ -6821,7 +8411,7 @@
           <p:cNvPr id="6" name="Bilde 5">
             <a:extLst>
               <a:ext uri="{FF2B5EF4-FFF2-40B4-BE49-F238E27FC236}">
-                <a16:creationId xmlns:a16="http://schemas.microsoft.com/office/drawing/2014/main" id="{C4CED04D-5C6B-E830-0AAB-9A28077B1657}"/>
+                <a16:creationId xmlns:a16="http://schemas.microsoft.com/office/drawing/2014/main" id="{0C8A5F22-8752-7E9B-5F84-8F53FF601AC9}"/>
               </a:ext>
             </a:extLst>
           </p:cNvPr>
@@ -6838,8 +8428,8 @@
         </p:blipFill>
         <p:spPr>
           <a:xfrm>
-            <a:off x="7385539" y="1143000"/>
-            <a:ext cx="3411940" cy="2286000"/>
+            <a:off x="5497942" y="48277"/>
+            <a:ext cx="3400900" cy="6706536"/>
           </a:xfrm>
           <a:prstGeom prst="rect">
             <a:avLst/>
@@ -6851,7 +8441,7 @@
           <p:cNvPr id="8" name="Bilde 7">
             <a:extLst>
               <a:ext uri="{FF2B5EF4-FFF2-40B4-BE49-F238E27FC236}">
-                <a16:creationId xmlns:a16="http://schemas.microsoft.com/office/drawing/2014/main" id="{75CF1305-FA0A-3DEF-98DA-A5D9312F969E}"/>
+                <a16:creationId xmlns:a16="http://schemas.microsoft.com/office/drawing/2014/main" id="{FCEFBC36-5C29-DD65-E63E-589578E19801}"/>
               </a:ext>
             </a:extLst>
           </p:cNvPr>
@@ -6868,64 +8458,48 @@
         </p:blipFill>
         <p:spPr>
           <a:xfrm>
-            <a:off x="7385538" y="3760306"/>
-            <a:ext cx="3476805" cy="2286000"/>
+            <a:off x="8657732" y="0"/>
+            <a:ext cx="3534268" cy="6649378"/>
           </a:xfrm>
           <a:prstGeom prst="rect">
             <a:avLst/>
           </a:prstGeom>
         </p:spPr>
       </p:pic>
-      <p:sp>
-        <p:nvSpPr>
-          <p:cNvPr id="4" name="Plassholder for lysbildenummer 3">
-            <a:extLst>
-              <a:ext uri="{FF2B5EF4-FFF2-40B4-BE49-F238E27FC236}">
-                <a16:creationId xmlns:a16="http://schemas.microsoft.com/office/drawing/2014/main" id="{C2221742-AA8A-8B5D-CC02-2D5040A1C14C}"/>
-              </a:ext>
-            </a:extLst>
-          </p:cNvPr>
-          <p:cNvSpPr>
-            <a:spLocks noGrp="1"/>
-          </p:cNvSpPr>
-          <p:nvPr>
-            <p:ph type="sldNum" sz="quarter" idx="12"/>
-          </p:nvPr>
-        </p:nvSpPr>
+      <p:pic>
+        <p:nvPicPr>
+          <p:cNvPr id="10" name="Bilde 9">
+            <a:extLst>
+              <a:ext uri="{FF2B5EF4-FFF2-40B4-BE49-F238E27FC236}">
+                <a16:creationId xmlns:a16="http://schemas.microsoft.com/office/drawing/2014/main" id="{6386162A-4CC3-5032-3ECC-5614D145697B}"/>
+              </a:ext>
+            </a:extLst>
+          </p:cNvPr>
+          <p:cNvPicPr>
+            <a:picLocks noChangeAspect="1"/>
+          </p:cNvPicPr>
+          <p:nvPr/>
+        </p:nvPicPr>
+        <p:blipFill>
+          <a:blip r:embed="rId5"/>
+          <a:stretch>
+            <a:fillRect/>
+          </a:stretch>
+        </p:blipFill>
         <p:spPr>
           <a:xfrm>
-            <a:off x="10983190" y="6389688"/>
-            <a:ext cx="940296" cy="365125"/>
+            <a:off x="1563733" y="5134031"/>
+            <a:ext cx="2753109" cy="1038370"/>
           </a:xfrm>
+          <a:prstGeom prst="rect">
+            <a:avLst/>
+          </a:prstGeom>
         </p:spPr>
-        <p:txBody>
-          <a:bodyPr>
-            <a:normAutofit/>
-          </a:bodyPr>
-          <a:lstStyle/>
-          <a:p>
-            <a:pPr>
-              <a:spcAft>
-                <a:spcPts val="600"/>
-              </a:spcAft>
-            </a:pPr>
-            <a:fld id="{719D7796-F675-488F-AC46-C88938C80352}" type="slidenum">
-              <a:rPr lang="en-US" smtClean="0"/>
-              <a:pPr>
-                <a:spcAft>
-                  <a:spcPts val="600"/>
-                </a:spcAft>
-              </a:pPr>
-              <a:t>10</a:t>
-            </a:fld>
-            <a:endParaRPr lang="en-US"/>
-          </a:p>
-        </p:txBody>
-      </p:sp>
+      </p:pic>
     </p:spTree>
     <p:extLst>
       <p:ext uri="{BB962C8B-B14F-4D97-AF65-F5344CB8AC3E}">
-        <p14:creationId xmlns:p14="http://schemas.microsoft.com/office/powerpoint/2010/main" val="1031553334"/>
+        <p14:creationId xmlns:p14="http://schemas.microsoft.com/office/powerpoint/2010/main" val="2954372516"/>
       </p:ext>
     </p:extLst>
   </p:cSld>
@@ -6935,7 +8509,7 @@
 </p:sld>
 </file>
 
-<file path=ppt/slides/slide11.xml><?xml version="1.0" encoding="utf-8"?>
+<file path=ppt/slides/slide14.xml><?xml version="1.0" encoding="utf-8"?>
 <p:sld xmlns:a="http://schemas.openxmlformats.org/drawingml/2006/main" xmlns:r="http://schemas.openxmlformats.org/officeDocument/2006/relationships" xmlns:p="http://schemas.openxmlformats.org/presentationml/2006/main">
   <p:cSld>
     <p:bg>
@@ -7180,34 +8754,60 @@
               <a:t>Tau = 2.45</a:t>
             </a:r>
           </a:p>
-          <a:p>
-            <a:pPr lvl="1">
-              <a:buFont typeface="Arial" panose="020B0604020202020204" pitchFamily="34" charset="0"/>
-              <a:buChar char="•"/>
-            </a:pPr>
-            <a:r>
-              <a:rPr lang="en-US" dirty="0"/>
-              <a:t>SSR = 0.34</a:t>
-            </a:r>
-          </a:p>
+        </p:txBody>
+      </p:sp>
+      <p:sp>
+        <p:nvSpPr>
+          <p:cNvPr id="4" name="Plassholder for lysbildenummer 3">
+            <a:extLst>
+              <a:ext uri="{FF2B5EF4-FFF2-40B4-BE49-F238E27FC236}">
+                <a16:creationId xmlns:a16="http://schemas.microsoft.com/office/drawing/2014/main" id="{245499CF-4A96-97CA-061B-DDD7B1F62B01}"/>
+              </a:ext>
+            </a:extLst>
+          </p:cNvPr>
+          <p:cNvSpPr>
+            <a:spLocks noGrp="1"/>
+          </p:cNvSpPr>
+          <p:nvPr>
+            <p:ph type="sldNum" sz="quarter" idx="12"/>
+          </p:nvPr>
+        </p:nvSpPr>
+        <p:spPr>
+          <a:xfrm>
+            <a:off x="10983190" y="6389688"/>
+            <a:ext cx="940296" cy="365125"/>
+          </a:xfrm>
+        </p:spPr>
+        <p:txBody>
+          <a:bodyPr>
+            <a:normAutofit/>
+          </a:bodyPr>
+          <a:lstStyle/>
           <a:p>
             <a:pPr>
-              <a:buFont typeface="Arial" panose="020B0604020202020204" pitchFamily="34" charset="0"/>
-              <a:buChar char="•"/>
-            </a:pPr>
-            <a:r>
-              <a:rPr lang="en-US" dirty="0"/>
-              <a:t>Plot: CFD vs Model</a:t>
-            </a:r>
+              <a:spcAft>
+                <a:spcPts val="600"/>
+              </a:spcAft>
+            </a:pPr>
+            <a:fld id="{719D7796-F675-488F-AC46-C88938C80352}" type="slidenum">
+              <a:rPr lang="en-US" smtClean="0"/>
+              <a:pPr>
+                <a:spcAft>
+                  <a:spcPts val="600"/>
+                </a:spcAft>
+              </a:pPr>
+              <a:t>14</a:t>
+            </a:fld>
+            <a:endParaRPr lang="en-US"/>
           </a:p>
         </p:txBody>
       </p:sp>
       <p:pic>
         <p:nvPicPr>
-          <p:cNvPr id="8" name="Bilde 7">
-            <a:extLst>
-              <a:ext uri="{FF2B5EF4-FFF2-40B4-BE49-F238E27FC236}">
-                <a16:creationId xmlns:a16="http://schemas.microsoft.com/office/drawing/2014/main" id="{70424A11-F940-0AE7-77DD-69B963B9FA2C}"/>
+          <p:cNvPr id="7" name="Bilde 6">
+            <a:extLst>
+              <a:ext uri="{FF2B5EF4-FFF2-40B4-BE49-F238E27FC236}">
+                <a16:creationId xmlns:a16="http://schemas.microsoft.com/office/drawing/2014/main" id="{6FF3AD65-CC5E-A8D6-3183-92A17E9F1A74}"/>
               </a:ext>
             </a:extLst>
           </p:cNvPr>
@@ -7224,8 +8824,174 @@
         </p:blipFill>
         <p:spPr>
           <a:xfrm>
-            <a:off x="7385539" y="1143000"/>
-            <a:ext cx="3374170" cy="2286000"/>
+            <a:off x="6780735" y="0"/>
+            <a:ext cx="5411265" cy="6858000"/>
+          </a:xfrm>
+          <a:prstGeom prst="rect">
+            <a:avLst/>
+          </a:prstGeom>
+        </p:spPr>
+      </p:pic>
+    </p:spTree>
+    <p:extLst>
+      <p:ext uri="{BB962C8B-B14F-4D97-AF65-F5344CB8AC3E}">
+        <p14:creationId xmlns:p14="http://schemas.microsoft.com/office/powerpoint/2010/main" val="847210152"/>
+      </p:ext>
+    </p:extLst>
+  </p:cSld>
+  <p:clrMapOvr>
+    <a:masterClrMapping/>
+  </p:clrMapOvr>
+</p:sld>
+</file>
+
+<file path=ppt/slides/slide15.xml><?xml version="1.0" encoding="utf-8"?>
+<p:sld xmlns:a="http://schemas.openxmlformats.org/drawingml/2006/main" xmlns:r="http://schemas.openxmlformats.org/officeDocument/2006/relationships" xmlns:p="http://schemas.openxmlformats.org/presentationml/2006/main">
+  <p:cSld>
+    <p:spTree>
+      <p:nvGrpSpPr>
+        <p:cNvPr id="1" name=""/>
+        <p:cNvGrpSpPr/>
+        <p:nvPr/>
+      </p:nvGrpSpPr>
+      <p:grpSpPr>
+        <a:xfrm>
+          <a:off x="0" y="0"/>
+          <a:ext cx="0" cy="0"/>
+          <a:chOff x="0" y="0"/>
+          <a:chExt cx="0" cy="0"/>
+        </a:xfrm>
+      </p:grpSpPr>
+      <p:sp>
+        <p:nvSpPr>
+          <p:cNvPr id="2" name="Tittel 1">
+            <a:extLst>
+              <a:ext uri="{FF2B5EF4-FFF2-40B4-BE49-F238E27FC236}">
+                <a16:creationId xmlns:a16="http://schemas.microsoft.com/office/drawing/2014/main" id="{D8DCF17A-B07A-1FC9-F098-62182F9C9861}"/>
+              </a:ext>
+            </a:extLst>
+          </p:cNvPr>
+          <p:cNvSpPr>
+            <a:spLocks noGrp="1"/>
+          </p:cNvSpPr>
+          <p:nvPr>
+            <p:ph type="title"/>
+          </p:nvPr>
+        </p:nvSpPr>
+        <p:spPr/>
+        <p:txBody>
+          <a:bodyPr/>
+          <a:lstStyle/>
+          <a:p>
+            <a:r>
+              <a:rPr lang="nb-NO" dirty="0" err="1"/>
+              <a:t>Results</a:t>
+            </a:r>
+            <a:endParaRPr lang="en-US" dirty="0"/>
+          </a:p>
+        </p:txBody>
+      </p:sp>
+      <p:sp>
+        <p:nvSpPr>
+          <p:cNvPr id="3" name="Plassholder for innhold 2">
+            <a:extLst>
+              <a:ext uri="{FF2B5EF4-FFF2-40B4-BE49-F238E27FC236}">
+                <a16:creationId xmlns:a16="http://schemas.microsoft.com/office/drawing/2014/main" id="{EF6A495A-E50B-DEE5-3838-FCB03F6FE000}"/>
+              </a:ext>
+            </a:extLst>
+          </p:cNvPr>
+          <p:cNvSpPr>
+            <a:spLocks noGrp="1"/>
+          </p:cNvSpPr>
+          <p:nvPr>
+            <p:ph idx="1"/>
+          </p:nvPr>
+        </p:nvSpPr>
+        <p:spPr/>
+        <p:txBody>
+          <a:bodyPr/>
+          <a:lstStyle/>
+          <a:p>
+            <a:r>
+              <a:rPr lang="nb-NO" dirty="0" err="1"/>
+              <a:t>Worse</a:t>
+            </a:r>
+            <a:r>
+              <a:rPr lang="nb-NO" dirty="0"/>
+              <a:t> </a:t>
+            </a:r>
+            <a:r>
+              <a:rPr lang="nb-NO" dirty="0" err="1"/>
+              <a:t>fit</a:t>
+            </a:r>
+            <a:endParaRPr lang="nb-NO" dirty="0"/>
+          </a:p>
+          <a:p>
+            <a:pPr lvl="1"/>
+            <a:r>
+              <a:rPr lang="nb-NO" dirty="0" err="1"/>
+              <a:t>Higher</a:t>
+            </a:r>
+            <a:r>
+              <a:rPr lang="nb-NO" dirty="0"/>
+              <a:t> SSRs</a:t>
+            </a:r>
+          </a:p>
+        </p:txBody>
+      </p:sp>
+      <p:sp>
+        <p:nvSpPr>
+          <p:cNvPr id="4" name="Plassholder for lysbildenummer 3">
+            <a:extLst>
+              <a:ext uri="{FF2B5EF4-FFF2-40B4-BE49-F238E27FC236}">
+                <a16:creationId xmlns:a16="http://schemas.microsoft.com/office/drawing/2014/main" id="{13B2AACD-2A69-3117-1026-649ACCA8E31F}"/>
+              </a:ext>
+            </a:extLst>
+          </p:cNvPr>
+          <p:cNvSpPr>
+            <a:spLocks noGrp="1"/>
+          </p:cNvSpPr>
+          <p:nvPr>
+            <p:ph type="sldNum" sz="quarter" idx="12"/>
+          </p:nvPr>
+        </p:nvSpPr>
+        <p:spPr/>
+        <p:txBody>
+          <a:bodyPr/>
+          <a:lstStyle/>
+          <a:p>
+            <a:fld id="{719D7796-F675-488F-AC46-C88938C80352}" type="slidenum">
+              <a:rPr lang="en-US" smtClean="0"/>
+              <a:t>15</a:t>
+            </a:fld>
+            <a:endParaRPr lang="en-US"/>
+          </a:p>
+        </p:txBody>
+      </p:sp>
+      <p:pic>
+        <p:nvPicPr>
+          <p:cNvPr id="6" name="Bilde 5">
+            <a:extLst>
+              <a:ext uri="{FF2B5EF4-FFF2-40B4-BE49-F238E27FC236}">
+                <a16:creationId xmlns:a16="http://schemas.microsoft.com/office/drawing/2014/main" id="{EAE7F7CA-7072-F034-FB5A-7DD8017C4198}"/>
+              </a:ext>
+            </a:extLst>
+          </p:cNvPr>
+          <p:cNvPicPr>
+            <a:picLocks noChangeAspect="1"/>
+          </p:cNvPicPr>
+          <p:nvPr/>
+        </p:nvPicPr>
+        <p:blipFill>
+          <a:blip r:embed="rId3"/>
+          <a:stretch>
+            <a:fillRect/>
+          </a:stretch>
+        </p:blipFill>
+        <p:spPr>
+          <a:xfrm>
+            <a:off x="4789518" y="0"/>
+            <a:ext cx="3781953" cy="6754168"/>
           </a:xfrm>
           <a:prstGeom prst="rect">
             <a:avLst/>
@@ -7234,10 +9000,10 @@
       </p:pic>
       <p:pic>
         <p:nvPicPr>
-          <p:cNvPr id="6" name="Bilde 5">
-            <a:extLst>
-              <a:ext uri="{FF2B5EF4-FFF2-40B4-BE49-F238E27FC236}">
-                <a16:creationId xmlns:a16="http://schemas.microsoft.com/office/drawing/2014/main" id="{96AF3DAE-F7AB-3A3B-7E33-90DA2E59DFF8}"/>
+          <p:cNvPr id="8" name="Bilde 7">
+            <a:extLst>
+              <a:ext uri="{FF2B5EF4-FFF2-40B4-BE49-F238E27FC236}">
+                <a16:creationId xmlns:a16="http://schemas.microsoft.com/office/drawing/2014/main" id="{AB4A95DF-D60F-DC98-A1A8-4036B5F4BC3A}"/>
               </a:ext>
             </a:extLst>
           </p:cNvPr>
@@ -7254,64 +9020,48 @@
         </p:blipFill>
         <p:spPr>
           <a:xfrm>
-            <a:off x="7385538" y="3760306"/>
-            <a:ext cx="3544186" cy="2286000"/>
+            <a:off x="8215010" y="0"/>
+            <a:ext cx="3972479" cy="6782747"/>
           </a:xfrm>
           <a:prstGeom prst="rect">
             <a:avLst/>
           </a:prstGeom>
         </p:spPr>
       </p:pic>
-      <p:sp>
-        <p:nvSpPr>
-          <p:cNvPr id="4" name="Plassholder for lysbildenummer 3">
-            <a:extLst>
-              <a:ext uri="{FF2B5EF4-FFF2-40B4-BE49-F238E27FC236}">
-                <a16:creationId xmlns:a16="http://schemas.microsoft.com/office/drawing/2014/main" id="{245499CF-4A96-97CA-061B-DDD7B1F62B01}"/>
-              </a:ext>
-            </a:extLst>
-          </p:cNvPr>
-          <p:cNvSpPr>
-            <a:spLocks noGrp="1"/>
-          </p:cNvSpPr>
-          <p:nvPr>
-            <p:ph type="sldNum" sz="quarter" idx="12"/>
-          </p:nvPr>
-        </p:nvSpPr>
+      <p:pic>
+        <p:nvPicPr>
+          <p:cNvPr id="10" name="Bilde 9">
+            <a:extLst>
+              <a:ext uri="{FF2B5EF4-FFF2-40B4-BE49-F238E27FC236}">
+                <a16:creationId xmlns:a16="http://schemas.microsoft.com/office/drawing/2014/main" id="{600D62B4-CA16-1103-46FC-E44D131C0123}"/>
+              </a:ext>
+            </a:extLst>
+          </p:cNvPr>
+          <p:cNvPicPr>
+            <a:picLocks noChangeAspect="1"/>
+          </p:cNvPicPr>
+          <p:nvPr/>
+        </p:nvPicPr>
+        <p:blipFill>
+          <a:blip r:embed="rId5"/>
+          <a:stretch>
+            <a:fillRect/>
+          </a:stretch>
+        </p:blipFill>
         <p:spPr>
           <a:xfrm>
-            <a:off x="10983190" y="6389688"/>
-            <a:ext cx="940296" cy="365125"/>
+            <a:off x="906850" y="4919911"/>
+            <a:ext cx="2886478" cy="1066949"/>
           </a:xfrm>
+          <a:prstGeom prst="rect">
+            <a:avLst/>
+          </a:prstGeom>
         </p:spPr>
-        <p:txBody>
-          <a:bodyPr>
-            <a:normAutofit/>
-          </a:bodyPr>
-          <a:lstStyle/>
-          <a:p>
-            <a:pPr>
-              <a:spcAft>
-                <a:spcPts val="600"/>
-              </a:spcAft>
-            </a:pPr>
-            <a:fld id="{719D7796-F675-488F-AC46-C88938C80352}" type="slidenum">
-              <a:rPr lang="en-US" smtClean="0"/>
-              <a:pPr>
-                <a:spcAft>
-                  <a:spcPts val="600"/>
-                </a:spcAft>
-              </a:pPr>
-              <a:t>11</a:t>
-            </a:fld>
-            <a:endParaRPr lang="en-US"/>
-          </a:p>
-        </p:txBody>
-      </p:sp>
+      </p:pic>
     </p:spTree>
     <p:extLst>
       <p:ext uri="{BB962C8B-B14F-4D97-AF65-F5344CB8AC3E}">
-        <p14:creationId xmlns:p14="http://schemas.microsoft.com/office/powerpoint/2010/main" val="847210152"/>
+        <p14:creationId xmlns:p14="http://schemas.microsoft.com/office/powerpoint/2010/main" val="3047324612"/>
       </p:ext>
     </p:extLst>
   </p:cSld>
@@ -7321,7 +9071,7 @@
 </p:sld>
 </file>
 
-<file path=ppt/slides/slide12.xml><?xml version="1.0" encoding="utf-8"?>
+<file path=ppt/slides/slide16.xml><?xml version="1.0" encoding="utf-8"?>
 <p:sld xmlns:a="http://schemas.openxmlformats.org/drawingml/2006/main" xmlns:r="http://schemas.openxmlformats.org/officeDocument/2006/relationships" xmlns:p="http://schemas.openxmlformats.org/presentationml/2006/main">
   <p:cSld>
     <p:bg>
@@ -7509,8 +9259,8 @@
           </a:fontRef>
         </p:style>
       </p:cxnSp>
-      <mc:AlternateContent xmlns:mc="http://schemas.openxmlformats.org/markup-compatibility/2006">
-        <mc:Choice xmlns:a14="http://schemas.microsoft.com/office/drawing/2010/main" Requires="a14">
+      <mc:AlternateContent xmlns:mc="http://schemas.openxmlformats.org/markup-compatibility/2006" xmlns:a14="http://schemas.microsoft.com/office/drawing/2010/main">
+        <mc:Choice Requires="a14">
           <p:sp>
             <p:nvSpPr>
               <p:cNvPr id="3" name="Plassholder for innhold 2">
@@ -7805,7 +9555,7 @@
             </p:txBody>
           </p:sp>
         </mc:Choice>
-        <mc:Fallback>
+        <mc:Fallback xmlns="">
           <p:sp>
             <p:nvSpPr>
               <p:cNvPr id="3" name="Plassholder for innhold 2">
@@ -7889,7 +9639,7 @@
                   <a:spcPts val="600"/>
                 </a:spcAft>
               </a:pPr>
-              <a:t>12</a:t>
+              <a:t>16</a:t>
             </a:fld>
             <a:endParaRPr lang="en-US"/>
           </a:p>
@@ -7968,7 +9718,7 @@
 </p:sld>
 </file>
 
-<file path=ppt/slides/slide13.xml><?xml version="1.0" encoding="utf-8"?>
+<file path=ppt/slides/slide17.xml><?xml version="1.0" encoding="utf-8"?>
 <p:sld xmlns:a="http://schemas.openxmlformats.org/drawingml/2006/main" xmlns:r="http://schemas.openxmlformats.org/officeDocument/2006/relationships" xmlns:p="http://schemas.openxmlformats.org/presentationml/2006/main">
   <p:cSld>
     <p:spTree>
@@ -8145,7 +9895,7 @@
           <a:p>
             <a:fld id="{719D7796-F675-488F-AC46-C88938C80352}" type="slidenum">
               <a:rPr lang="en-US" smtClean="0"/>
-              <a:t>13</a:t>
+              <a:t>17</a:t>
             </a:fld>
             <a:endParaRPr lang="en-US"/>
           </a:p>
@@ -8164,7 +9914,7 @@
 </p:sld>
 </file>
 
-<file path=ppt/slides/slide14.xml><?xml version="1.0" encoding="utf-8"?>
+<file path=ppt/slides/slide18.xml><?xml version="1.0" encoding="utf-8"?>
 <p:sld xmlns:a="http://schemas.openxmlformats.org/drawingml/2006/main" xmlns:r="http://schemas.openxmlformats.org/officeDocument/2006/relationships" xmlns:p="http://schemas.openxmlformats.org/presentationml/2006/main">
   <p:cSld>
     <p:spTree>
@@ -8341,7 +10091,7 @@
           <a:p>
             <a:fld id="{719D7796-F675-488F-AC46-C88938C80352}" type="slidenum">
               <a:rPr lang="en-US" smtClean="0"/>
-              <a:t>14</a:t>
+              <a:t>18</a:t>
             </a:fld>
             <a:endParaRPr lang="en-US"/>
           </a:p>
@@ -8360,7 +10110,7 @@
 </p:sld>
 </file>
 
-<file path=ppt/slides/slide15.xml><?xml version="1.0" encoding="utf-8"?>
+<file path=ppt/slides/slide19.xml><?xml version="1.0" encoding="utf-8"?>
 <p:sld xmlns:a="http://schemas.openxmlformats.org/drawingml/2006/main" xmlns:r="http://schemas.openxmlformats.org/officeDocument/2006/relationships" xmlns:p="http://schemas.openxmlformats.org/presentationml/2006/main">
   <p:cSld>
     <p:spTree>
@@ -8510,7 +10260,7 @@
           <a:p>
             <a:fld id="{719D7796-F675-488F-AC46-C88938C80352}" type="slidenum">
               <a:rPr lang="en-US" smtClean="0"/>
-              <a:t>15</a:t>
+              <a:t>19</a:t>
             </a:fld>
             <a:endParaRPr lang="en-US"/>
           </a:p>
@@ -9150,7 +10900,7 @@
           <p:cNvPr id="2" name="Tittel 1">
             <a:extLst>
               <a:ext uri="{FF2B5EF4-FFF2-40B4-BE49-F238E27FC236}">
-                <a16:creationId xmlns:a16="http://schemas.microsoft.com/office/drawing/2014/main" id="{A72BDB57-FB51-8640-721A-6444E67585C2}"/>
+                <a16:creationId xmlns:a16="http://schemas.microsoft.com/office/drawing/2014/main" id="{CEACBA78-7B06-8B9B-1389-AC655CDDE691}"/>
               </a:ext>
             </a:extLst>
           </p:cNvPr>
@@ -9167,14 +10917,318 @@
           <a:lstStyle/>
           <a:p>
             <a:r>
-              <a:rPr lang="en-US" dirty="0"/>
-              <a:t>Governing Theory</a:t>
-            </a:r>
+              <a:rPr lang="nb-NO" dirty="0"/>
+              <a:t>Parameter </a:t>
+            </a:r>
+            <a:r>
+              <a:rPr lang="nb-NO" dirty="0" err="1"/>
+              <a:t>interpretation</a:t>
+            </a:r>
+            <a:endParaRPr lang="en-US" dirty="0"/>
           </a:p>
         </p:txBody>
       </p:sp>
       <mc:AlternateContent xmlns:mc="http://schemas.openxmlformats.org/markup-compatibility/2006">
         <mc:Choice xmlns:a14="http://schemas.microsoft.com/office/drawing/2010/main" Requires="a14">
+          <p:sp>
+            <p:nvSpPr>
+              <p:cNvPr id="3" name="Plassholder for innhold 2">
+                <a:extLst>
+                  <a:ext uri="{FF2B5EF4-FFF2-40B4-BE49-F238E27FC236}">
+                    <a16:creationId xmlns:a16="http://schemas.microsoft.com/office/drawing/2014/main" id="{08524EF4-AC29-5E93-5190-54BDD576B933}"/>
+                  </a:ext>
+                </a:extLst>
+              </p:cNvPr>
+              <p:cNvSpPr>
+                <a:spLocks noGrp="1"/>
+              </p:cNvSpPr>
+              <p:nvPr>
+                <p:ph idx="1"/>
+              </p:nvPr>
+            </p:nvSpPr>
+            <p:spPr/>
+            <p:txBody>
+              <a:bodyPr/>
+              <a:lstStyle/>
+              <a:p>
+                <a14:m>
+                  <m:oMath xmlns:m="http://schemas.openxmlformats.org/officeDocument/2006/math">
+                    <m:r>
+                      <a:rPr lang="nb-NO" b="0" i="1" smtClean="0">
+                        <a:latin typeface="Cambria Math" panose="02040503050406030204" pitchFamily="18" charset="0"/>
+                      </a:rPr>
+                      <m:t>𝜏</m:t>
+                    </m:r>
+                    <m:r>
+                      <a:rPr lang="nb-NO" b="0" i="1" smtClean="0">
+                        <a:latin typeface="Cambria Math" panose="02040503050406030204" pitchFamily="18" charset="0"/>
+                      </a:rPr>
+                      <m:t>=</m:t>
+                    </m:r>
+                    <m:f>
+                      <m:fPr>
+                        <m:ctrlPr>
+                          <a:rPr lang="nb-NO" b="0" i="1" smtClean="0">
+                            <a:latin typeface="Cambria Math" panose="02040503050406030204" pitchFamily="18" charset="0"/>
+                          </a:rPr>
+                        </m:ctrlPr>
+                      </m:fPr>
+                      <m:num>
+                        <m:sSub>
+                          <m:sSubPr>
+                            <m:ctrlPr>
+                              <a:rPr lang="nb-NO" b="0" i="1" smtClean="0">
+                                <a:latin typeface="Cambria Math" panose="02040503050406030204" pitchFamily="18" charset="0"/>
+                              </a:rPr>
+                            </m:ctrlPr>
+                          </m:sSubPr>
+                          <m:e>
+                            <m:r>
+                              <a:rPr lang="nb-NO" b="0" i="1" smtClean="0">
+                                <a:latin typeface="Cambria Math" panose="02040503050406030204" pitchFamily="18" charset="0"/>
+                              </a:rPr>
+                              <m:t>𝑉</m:t>
+                            </m:r>
+                          </m:e>
+                          <m:sub>
+                            <m:r>
+                              <a:rPr lang="nb-NO" b="0" i="1" smtClean="0">
+                                <a:latin typeface="Cambria Math" panose="02040503050406030204" pitchFamily="18" charset="0"/>
+                              </a:rPr>
+                              <m:t>𝑡𝑜𝑡</m:t>
+                            </m:r>
+                          </m:sub>
+                        </m:sSub>
+                      </m:num>
+                      <m:den>
+                        <m:r>
+                          <a:rPr lang="nb-NO" b="0" i="1" smtClean="0">
+                            <a:latin typeface="Cambria Math" panose="02040503050406030204" pitchFamily="18" charset="0"/>
+                          </a:rPr>
+                          <m:t>𝑞</m:t>
+                        </m:r>
+                      </m:den>
+                    </m:f>
+                  </m:oMath>
+                </a14:m>
+                <a:r>
+                  <a:rPr lang="en-US" dirty="0"/>
+                  <a:t> – Residence time in system.</a:t>
+                </a:r>
+              </a:p>
+              <a:p>
+                <a:pPr lvl="1"/>
+                <a:r>
+                  <a:rPr lang="en-US" dirty="0"/>
+                  <a:t>Larger means fluid stays longer in system (Or more volume)</a:t>
+                </a:r>
+              </a:p>
+              <a:p>
+                <a14:m>
+                  <m:oMath xmlns:m="http://schemas.openxmlformats.org/officeDocument/2006/math">
+                    <m:r>
+                      <a:rPr lang="nb-NO" b="0" i="1" smtClean="0">
+                        <a:latin typeface="Cambria Math" panose="02040503050406030204" pitchFamily="18" charset="0"/>
+                      </a:rPr>
+                      <m:t>𝑛</m:t>
+                    </m:r>
+                  </m:oMath>
+                </a14:m>
+                <a:r>
+                  <a:rPr lang="en-US" dirty="0"/>
+                  <a:t> – Number of compartments.</a:t>
+                </a:r>
+              </a:p>
+              <a:p>
+                <a:pPr lvl="1"/>
+                <a:r>
+                  <a:rPr lang="en-US" dirty="0"/>
+                  <a:t>Higher </a:t>
+                </a:r>
+                <a14:m>
+                  <m:oMath xmlns:m="http://schemas.openxmlformats.org/officeDocument/2006/math">
+                    <m:r>
+                      <a:rPr lang="nb-NO" b="0" i="1" smtClean="0">
+                        <a:latin typeface="Cambria Math" panose="02040503050406030204" pitchFamily="18" charset="0"/>
+                      </a:rPr>
+                      <m:t>→</m:t>
+                    </m:r>
+                  </m:oMath>
+                </a14:m>
+                <a:r>
+                  <a:rPr lang="en-US" dirty="0"/>
+                  <a:t> Plug flow </a:t>
+                </a:r>
+                <a:r>
+                  <a:rPr lang="en-US" dirty="0" err="1"/>
+                  <a:t>behaviour</a:t>
+                </a:r>
+                <a:r>
+                  <a:rPr lang="en-US" dirty="0"/>
+                  <a:t>. Fluid moves in layers with little mixing</a:t>
+                </a:r>
+              </a:p>
+              <a:p>
+                <a:pPr lvl="1"/>
+                <a:r>
+                  <a:rPr lang="en-US" dirty="0"/>
+                  <a:t>Lower </a:t>
+                </a:r>
+                <a14:m>
+                  <m:oMath xmlns:m="http://schemas.openxmlformats.org/officeDocument/2006/math">
+                    <m:r>
+                      <a:rPr lang="nb-NO" i="1">
+                        <a:latin typeface="Cambria Math" panose="02040503050406030204" pitchFamily="18" charset="0"/>
+                      </a:rPr>
+                      <m:t>→</m:t>
+                    </m:r>
+                  </m:oMath>
+                </a14:m>
+                <a:r>
+                  <a:rPr lang="en-US" dirty="0"/>
+                  <a:t> Mixed flow </a:t>
+                </a:r>
+                <a:r>
+                  <a:rPr lang="en-US" dirty="0" err="1"/>
+                  <a:t>behaviour</a:t>
+                </a:r>
+                <a:r>
+                  <a:rPr lang="en-US" dirty="0"/>
+                  <a:t>. More recirculation and dispersion.</a:t>
+                </a:r>
+              </a:p>
+            </p:txBody>
+          </p:sp>
+        </mc:Choice>
+        <mc:Fallback>
+          <p:sp>
+            <p:nvSpPr>
+              <p:cNvPr id="3" name="Plassholder for innhold 2">
+                <a:extLst>
+                  <a:ext uri="{FF2B5EF4-FFF2-40B4-BE49-F238E27FC236}">
+                    <a16:creationId xmlns:a16="http://schemas.microsoft.com/office/drawing/2014/main" id="{08524EF4-AC29-5E93-5190-54BDD576B933}"/>
+                  </a:ext>
+                </a:extLst>
+              </p:cNvPr>
+              <p:cNvSpPr>
+                <a:spLocks noGrp="1" noRot="1" noChangeAspect="1" noMove="1" noResize="1" noEditPoints="1" noAdjustHandles="1" noChangeArrowheads="1" noChangeShapeType="1" noTextEdit="1"/>
+              </p:cNvSpPr>
+              <p:nvPr>
+                <p:ph idx="1"/>
+              </p:nvPr>
+            </p:nvSpPr>
+            <p:spPr>
+              <a:blipFill>
+                <a:blip r:embed="rId2"/>
+                <a:stretch>
+                  <a:fillRect l="-553"/>
+                </a:stretch>
+              </a:blipFill>
+            </p:spPr>
+            <p:txBody>
+              <a:bodyPr/>
+              <a:lstStyle/>
+              <a:p>
+                <a:r>
+                  <a:rPr lang="en-US">
+                    <a:noFill/>
+                  </a:rPr>
+                  <a:t> </a:t>
+                </a:r>
+              </a:p>
+            </p:txBody>
+          </p:sp>
+        </mc:Fallback>
+      </mc:AlternateContent>
+      <p:sp>
+        <p:nvSpPr>
+          <p:cNvPr id="4" name="Plassholder for lysbildenummer 3">
+            <a:extLst>
+              <a:ext uri="{FF2B5EF4-FFF2-40B4-BE49-F238E27FC236}">
+                <a16:creationId xmlns:a16="http://schemas.microsoft.com/office/drawing/2014/main" id="{01A0DF30-BB24-636E-3CFB-CDD1D2958CD4}"/>
+              </a:ext>
+            </a:extLst>
+          </p:cNvPr>
+          <p:cNvSpPr>
+            <a:spLocks noGrp="1"/>
+          </p:cNvSpPr>
+          <p:nvPr>
+            <p:ph type="sldNum" sz="quarter" idx="12"/>
+          </p:nvPr>
+        </p:nvSpPr>
+        <p:spPr/>
+        <p:txBody>
+          <a:bodyPr/>
+          <a:lstStyle/>
+          <a:p>
+            <a:fld id="{719D7796-F675-488F-AC46-C88938C80352}" type="slidenum">
+              <a:rPr lang="en-US" smtClean="0"/>
+              <a:t>4</a:t>
+            </a:fld>
+            <a:endParaRPr lang="en-US"/>
+          </a:p>
+        </p:txBody>
+      </p:sp>
+    </p:spTree>
+    <p:extLst>
+      <p:ext uri="{BB962C8B-B14F-4D97-AF65-F5344CB8AC3E}">
+        <p14:creationId xmlns:p14="http://schemas.microsoft.com/office/powerpoint/2010/main" val="1421198222"/>
+      </p:ext>
+    </p:extLst>
+  </p:cSld>
+  <p:clrMapOvr>
+    <a:masterClrMapping/>
+  </p:clrMapOvr>
+</p:sld>
+</file>
+
+<file path=ppt/slides/slide5.xml><?xml version="1.0" encoding="utf-8"?>
+<p:sld xmlns:a="http://schemas.openxmlformats.org/drawingml/2006/main" xmlns:r="http://schemas.openxmlformats.org/officeDocument/2006/relationships" xmlns:p="http://schemas.openxmlformats.org/presentationml/2006/main">
+  <p:cSld>
+    <p:spTree>
+      <p:nvGrpSpPr>
+        <p:cNvPr id="1" name=""/>
+        <p:cNvGrpSpPr/>
+        <p:nvPr/>
+      </p:nvGrpSpPr>
+      <p:grpSpPr>
+        <a:xfrm>
+          <a:off x="0" y="0"/>
+          <a:ext cx="0" cy="0"/>
+          <a:chOff x="0" y="0"/>
+          <a:chExt cx="0" cy="0"/>
+        </a:xfrm>
+      </p:grpSpPr>
+      <p:sp>
+        <p:nvSpPr>
+          <p:cNvPr id="2" name="Tittel 1">
+            <a:extLst>
+              <a:ext uri="{FF2B5EF4-FFF2-40B4-BE49-F238E27FC236}">
+                <a16:creationId xmlns:a16="http://schemas.microsoft.com/office/drawing/2014/main" id="{A72BDB57-FB51-8640-721A-6444E67585C2}"/>
+              </a:ext>
+            </a:extLst>
+          </p:cNvPr>
+          <p:cNvSpPr>
+            <a:spLocks noGrp="1"/>
+          </p:cNvSpPr>
+          <p:nvPr>
+            <p:ph type="title"/>
+          </p:nvPr>
+        </p:nvSpPr>
+        <p:spPr/>
+        <p:txBody>
+          <a:bodyPr/>
+          <a:lstStyle/>
+          <a:p>
+            <a:r>
+              <a:rPr lang="en-US" dirty="0"/>
+              <a:t>Governing Theory</a:t>
+            </a:r>
+          </a:p>
+        </p:txBody>
+      </p:sp>
+      <mc:AlternateContent xmlns:mc="http://schemas.openxmlformats.org/markup-compatibility/2006" xmlns:a14="http://schemas.microsoft.com/office/drawing/2010/main">
+        <mc:Choice Requires="a14">
           <p:sp>
             <p:nvSpPr>
               <p:cNvPr id="3" name="Plassholder for innhold 2">
@@ -9282,7 +11336,7 @@
             </p:txBody>
           </p:sp>
         </mc:Choice>
-        <mc:Fallback>
+        <mc:Fallback xmlns="">
           <p:sp>
             <p:nvSpPr>
               <p:cNvPr id="3" name="Plassholder for innhold 2">
@@ -9345,7 +11399,7 @@
           <a:p>
             <a:fld id="{719D7796-F675-488F-AC46-C88938C80352}" type="slidenum">
               <a:rPr lang="en-US" smtClean="0"/>
-              <a:t>4</a:t>
+              <a:t>5</a:t>
             </a:fld>
             <a:endParaRPr lang="en-US"/>
           </a:p>
@@ -9395,7 +11449,7 @@
 </p:sld>
 </file>
 
-<file path=ppt/slides/slide5.xml><?xml version="1.0" encoding="utf-8"?>
+<file path=ppt/slides/slide6.xml><?xml version="1.0" encoding="utf-8"?>
 <p:sld xmlns:a="http://schemas.openxmlformats.org/drawingml/2006/main" xmlns:r="http://schemas.openxmlformats.org/officeDocument/2006/relationships" xmlns:p="http://schemas.openxmlformats.org/presentationml/2006/main">
   <p:cSld>
     <p:spTree>
@@ -9512,7 +11566,7 @@
           <a:p>
             <a:fld id="{719D7796-F675-488F-AC46-C88938C80352}" type="slidenum">
               <a:rPr lang="en-US" smtClean="0"/>
-              <a:t>5</a:t>
+              <a:t>6</a:t>
             </a:fld>
             <a:endParaRPr lang="en-US"/>
           </a:p>
@@ -9621,7 +11675,7 @@
 </p:sld>
 </file>
 
-<file path=ppt/slides/slide6.xml><?xml version="1.0" encoding="utf-8"?>
+<file path=ppt/slides/slide7.xml><?xml version="1.0" encoding="utf-8"?>
 <p:sld xmlns:a="http://schemas.openxmlformats.org/drawingml/2006/main" xmlns:r="http://schemas.openxmlformats.org/officeDocument/2006/relationships" xmlns:p="http://schemas.openxmlformats.org/presentationml/2006/main">
   <p:cSld>
     <p:bg>
@@ -9993,7 +12047,7 @@
                   <a:spcPts val="600"/>
                 </a:spcAft>
               </a:pPr>
-              <a:t>6</a:t>
+              <a:t>7</a:t>
             </a:fld>
             <a:endParaRPr lang="en-US"/>
           </a:p>
@@ -10051,7 +12105,7 @@
 </p:sld>
 </file>
 
-<file path=ppt/slides/slide7.xml><?xml version="1.0" encoding="utf-8"?>
+<file path=ppt/slides/slide8.xml><?xml version="1.0" encoding="utf-8"?>
 <p:sld xmlns:a="http://schemas.openxmlformats.org/drawingml/2006/main" xmlns:r="http://schemas.openxmlformats.org/officeDocument/2006/relationships" xmlns:p="http://schemas.openxmlformats.org/presentationml/2006/main">
   <p:cSld>
     <p:spTree>
@@ -10175,7 +12229,7 @@
           <a:p>
             <a:fld id="{719D7796-F675-488F-AC46-C88938C80352}" type="slidenum">
               <a:rPr lang="en-US" smtClean="0"/>
-              <a:t>7</a:t>
+              <a:t>8</a:t>
             </a:fld>
             <a:endParaRPr lang="en-US"/>
           </a:p>
@@ -10284,7 +12338,7 @@
 </p:sld>
 </file>
 
-<file path=ppt/slides/slide8.xml><?xml version="1.0" encoding="utf-8"?>
+<file path=ppt/slides/slide9.xml><?xml version="1.0" encoding="utf-8"?>
 <p:sld xmlns:a="http://schemas.openxmlformats.org/drawingml/2006/main" xmlns:r="http://schemas.openxmlformats.org/officeDocument/2006/relationships" xmlns:p="http://schemas.openxmlformats.org/presentationml/2006/main">
   <p:cSld>
     <p:spTree>
@@ -10383,16 +12437,6 @@
             </a:pPr>
             <a:endParaRPr lang="en-US" dirty="0"/>
           </a:p>
-          <a:p>
-            <a:pPr>
-              <a:buFont typeface="Arial" panose="020B0604020202020204" pitchFamily="34" charset="0"/>
-              <a:buChar char="•"/>
-            </a:pPr>
-            <a:r>
-              <a:rPr lang="en-US" dirty="0"/>
-              <a:t>Short plot: Concentration over time</a:t>
-            </a:r>
-          </a:p>
         </p:txBody>
       </p:sp>
       <p:sp>
@@ -10418,7 +12462,7 @@
           <a:p>
             <a:fld id="{719D7796-F675-488F-AC46-C88938C80352}" type="slidenum">
               <a:rPr lang="en-US" smtClean="0"/>
-              <a:t>8</a:t>
+              <a:t>9</a:t>
             </a:fld>
             <a:endParaRPr lang="en-US"/>
           </a:p>
@@ -10454,131 +12498,12 @@
           </a:prstGeom>
         </p:spPr>
       </p:pic>
-    </p:spTree>
-    <p:extLst>
-      <p:ext uri="{BB962C8B-B14F-4D97-AF65-F5344CB8AC3E}">
-        <p14:creationId xmlns:p14="http://schemas.microsoft.com/office/powerpoint/2010/main" val="3891450651"/>
-      </p:ext>
-    </p:extLst>
-  </p:cSld>
-  <p:clrMapOvr>
-    <a:masterClrMapping/>
-  </p:clrMapOvr>
-</p:sld>
-</file>
-
-<file path=ppt/slides/slide9.xml><?xml version="1.0" encoding="utf-8"?>
-<p:sld xmlns:a="http://schemas.openxmlformats.org/drawingml/2006/main" xmlns:r="http://schemas.openxmlformats.org/officeDocument/2006/relationships" xmlns:p="http://schemas.openxmlformats.org/presentationml/2006/main">
-  <p:cSld>
-    <p:spTree>
-      <p:nvGrpSpPr>
-        <p:cNvPr id="1" name=""/>
-        <p:cNvGrpSpPr/>
-        <p:nvPr/>
-      </p:nvGrpSpPr>
-      <p:grpSpPr>
-        <a:xfrm>
-          <a:off x="0" y="0"/>
-          <a:ext cx="0" cy="0"/>
-          <a:chOff x="0" y="0"/>
-          <a:chExt cx="0" cy="0"/>
-        </a:xfrm>
-      </p:grpSpPr>
-      <p:sp>
-        <p:nvSpPr>
-          <p:cNvPr id="2" name="Tittel 1">
-            <a:extLst>
-              <a:ext uri="{FF2B5EF4-FFF2-40B4-BE49-F238E27FC236}">
-                <a16:creationId xmlns:a16="http://schemas.microsoft.com/office/drawing/2014/main" id="{104603EF-45EA-360B-6884-2C41393F681A}"/>
-              </a:ext>
-            </a:extLst>
-          </p:cNvPr>
-          <p:cNvSpPr>
-            <a:spLocks noGrp="1"/>
-          </p:cNvSpPr>
-          <p:nvPr>
-            <p:ph type="title"/>
-          </p:nvPr>
-        </p:nvSpPr>
-        <p:spPr/>
-        <p:txBody>
-          <a:bodyPr/>
-          <a:lstStyle/>
-          <a:p>
-            <a:r>
-              <a:rPr lang="en-US" dirty="0"/>
-              <a:t>Injection Protocols &amp; Model Setup</a:t>
-            </a:r>
-          </a:p>
-        </p:txBody>
-      </p:sp>
-      <p:sp>
-        <p:nvSpPr>
-          <p:cNvPr id="4" name="Plassholder for lysbildenummer 3">
-            <a:extLst>
-              <a:ext uri="{FF2B5EF4-FFF2-40B4-BE49-F238E27FC236}">
-                <a16:creationId xmlns:a16="http://schemas.microsoft.com/office/drawing/2014/main" id="{1B2272CB-8123-9FB0-1B23-CCB603871E06}"/>
-              </a:ext>
-            </a:extLst>
-          </p:cNvPr>
-          <p:cNvSpPr>
-            <a:spLocks noGrp="1"/>
-          </p:cNvSpPr>
-          <p:nvPr>
-            <p:ph type="sldNum" sz="quarter" idx="12"/>
-          </p:nvPr>
-        </p:nvSpPr>
-        <p:spPr/>
-        <p:txBody>
-          <a:bodyPr/>
-          <a:lstStyle/>
-          <a:p>
-            <a:fld id="{719D7796-F675-488F-AC46-C88938C80352}" type="slidenum">
-              <a:rPr lang="en-US" smtClean="0"/>
-              <a:t>9</a:t>
-            </a:fld>
-            <a:endParaRPr lang="en-US"/>
-          </a:p>
-        </p:txBody>
-      </p:sp>
       <p:pic>
         <p:nvPicPr>
-          <p:cNvPr id="10" name="Plassholder for innhold 9">
-            <a:extLst>
-              <a:ext uri="{FF2B5EF4-FFF2-40B4-BE49-F238E27FC236}">
-                <a16:creationId xmlns:a16="http://schemas.microsoft.com/office/drawing/2014/main" id="{77F9C39D-226B-2492-32E8-3A76E5FBE4F6}"/>
-              </a:ext>
-            </a:extLst>
-          </p:cNvPr>
-          <p:cNvPicPr>
-            <a:picLocks noGrp="1" noChangeAspect="1"/>
-          </p:cNvPicPr>
-          <p:nvPr>
-            <p:ph idx="1"/>
-          </p:nvPr>
-        </p:nvPicPr>
-        <p:blipFill>
-          <a:blip r:embed="rId3"/>
-          <a:stretch>
-            <a:fillRect/>
-          </a:stretch>
-        </p:blipFill>
-        <p:spPr>
-          <a:xfrm>
-            <a:off x="5857374" y="2193946"/>
-            <a:ext cx="4286848" cy="381053"/>
-          </a:xfrm>
-          <a:prstGeom prst="rect">
-            <a:avLst/>
-          </a:prstGeom>
-        </p:spPr>
-      </p:pic>
-      <p:pic>
-        <p:nvPicPr>
-          <p:cNvPr id="12" name="Bilde 11">
-            <a:extLst>
-              <a:ext uri="{FF2B5EF4-FFF2-40B4-BE49-F238E27FC236}">
-                <a16:creationId xmlns:a16="http://schemas.microsoft.com/office/drawing/2014/main" id="{95317DF8-A5DB-0A63-E26F-DD34EEFB3972}"/>
+          <p:cNvPr id="7" name="Bilde 6">
+            <a:extLst>
+              <a:ext uri="{FF2B5EF4-FFF2-40B4-BE49-F238E27FC236}">
+                <a16:creationId xmlns:a16="http://schemas.microsoft.com/office/drawing/2014/main" id="{193A4257-AC7B-FCA2-11A4-392BD033DB99}"/>
               </a:ext>
             </a:extLst>
           </p:cNvPr>
@@ -10595,186 +12520,18 @@
         </p:blipFill>
         <p:spPr>
           <a:xfrm>
-            <a:off x="5876208" y="2592078"/>
-            <a:ext cx="5134692" cy="3381847"/>
+            <a:off x="6013804" y="4196838"/>
+            <a:ext cx="5439534" cy="1152686"/>
           </a:xfrm>
           <a:prstGeom prst="rect">
             <a:avLst/>
           </a:prstGeom>
         </p:spPr>
       </p:pic>
-      <mc:AlternateContent xmlns:mc="http://schemas.openxmlformats.org/markup-compatibility/2006">
-        <mc:Choice xmlns:a14="http://schemas.microsoft.com/office/drawing/2010/main" Requires="a14">
-          <p:sp>
-            <p:nvSpPr>
-              <p:cNvPr id="13" name="TekstSylinder 12">
-                <a:extLst>
-                  <a:ext uri="{FF2B5EF4-FFF2-40B4-BE49-F238E27FC236}">
-                    <a16:creationId xmlns:a16="http://schemas.microsoft.com/office/drawing/2014/main" id="{B2CFAAAE-77E8-54B0-1581-08771ABD33CD}"/>
-                  </a:ext>
-                </a:extLst>
-              </p:cNvPr>
-              <p:cNvSpPr txBox="1"/>
-              <p:nvPr/>
-            </p:nvSpPr>
-            <p:spPr>
-              <a:xfrm>
-                <a:off x="1088136" y="2193946"/>
-                <a:ext cx="4557290" cy="1200329"/>
-              </a:xfrm>
-              <a:prstGeom prst="rect">
-                <a:avLst/>
-              </a:prstGeom>
-              <a:noFill/>
-            </p:spPr>
-            <p:txBody>
-              <a:bodyPr wrap="square" rtlCol="0">
-                <a:spAutoFit/>
-              </a:bodyPr>
-              <a:lstStyle/>
-              <a:p>
-                <a:pPr marL="285750" indent="-285750">
-                  <a:buFont typeface="Arial" panose="020B0604020202020204" pitchFamily="34" charset="0"/>
-                  <a:buChar char="•"/>
-                </a:pPr>
-                <a:r>
-                  <a:rPr lang="en-US" dirty="0"/>
-                  <a:t>Examples of </a:t>
-                </a:r>
-                <a14:m>
-                  <m:oMath xmlns:m="http://schemas.openxmlformats.org/officeDocument/2006/math">
-                    <m:sSub>
-                      <m:sSubPr>
-                        <m:ctrlPr>
-                          <a:rPr lang="en-US" b="0" i="1" smtClean="0">
-                            <a:latin typeface="Cambria Math" panose="02040503050406030204" pitchFamily="18" charset="0"/>
-                          </a:rPr>
-                        </m:ctrlPr>
-                      </m:sSubPr>
-                      <m:e>
-                        <m:r>
-                          <a:rPr lang="en-US" b="0" i="1" smtClean="0">
-                            <a:latin typeface="Cambria Math" panose="02040503050406030204" pitchFamily="18" charset="0"/>
-                          </a:rPr>
-                          <m:t>𝐶</m:t>
-                        </m:r>
-                      </m:e>
-                      <m:sub>
-                        <m:r>
-                          <a:rPr lang="en-US" b="0" i="1" smtClean="0">
-                            <a:latin typeface="Cambria Math" panose="02040503050406030204" pitchFamily="18" charset="0"/>
-                          </a:rPr>
-                          <m:t>𝑖𝑛</m:t>
-                        </m:r>
-                      </m:sub>
-                    </m:sSub>
-                    <m:r>
-                      <a:rPr lang="en-US" b="0" i="1" smtClean="0">
-                        <a:latin typeface="Cambria Math" panose="02040503050406030204" pitchFamily="18" charset="0"/>
-                      </a:rPr>
-                      <m:t>(</m:t>
-                    </m:r>
-                    <m:r>
-                      <a:rPr lang="en-US" b="0" i="1" smtClean="0">
-                        <a:latin typeface="Cambria Math" panose="02040503050406030204" pitchFamily="18" charset="0"/>
-                      </a:rPr>
-                      <m:t>𝑡</m:t>
-                    </m:r>
-                    <m:r>
-                      <a:rPr lang="en-US" b="0" i="1" smtClean="0">
-                        <a:latin typeface="Cambria Math" panose="02040503050406030204" pitchFamily="18" charset="0"/>
-                      </a:rPr>
-                      <m:t>)</m:t>
-                    </m:r>
-                  </m:oMath>
-                </a14:m>
-                <a:r>
-                  <a:rPr lang="en-US" dirty="0"/>
-                  <a:t> shapes</a:t>
-                </a:r>
-              </a:p>
-              <a:p>
-                <a:pPr marL="742950" lvl="1" indent="-285750">
-                  <a:buFont typeface="Arial" panose="020B0604020202020204" pitchFamily="34" charset="0"/>
-                  <a:buChar char="•"/>
-                </a:pPr>
-                <a:r>
-                  <a:rPr lang="en-US" dirty="0"/>
-                  <a:t>Rectangular</a:t>
-                </a:r>
-              </a:p>
-              <a:p>
-                <a:pPr marL="742950" lvl="1" indent="-285750">
-                  <a:buFont typeface="Arial" panose="020B0604020202020204" pitchFamily="34" charset="0"/>
-                  <a:buChar char="•"/>
-                </a:pPr>
-                <a:r>
-                  <a:rPr lang="en-US" dirty="0"/>
-                  <a:t>Ramp</a:t>
-                </a:r>
-              </a:p>
-              <a:p>
-                <a:pPr marL="742950" lvl="1" indent="-285750">
-                  <a:buFont typeface="Arial" panose="020B0604020202020204" pitchFamily="34" charset="0"/>
-                  <a:buChar char="•"/>
-                </a:pPr>
-                <a:r>
-                  <a:rPr lang="en-US" dirty="0"/>
-                  <a:t>Biphasic</a:t>
-                </a:r>
-              </a:p>
-            </p:txBody>
-          </p:sp>
-        </mc:Choice>
-        <mc:Fallback>
-          <p:sp>
-            <p:nvSpPr>
-              <p:cNvPr id="13" name="TekstSylinder 12">
-                <a:extLst>
-                  <a:ext uri="{FF2B5EF4-FFF2-40B4-BE49-F238E27FC236}">
-                    <a16:creationId xmlns:a16="http://schemas.microsoft.com/office/drawing/2014/main" id="{B2CFAAAE-77E8-54B0-1581-08771ABD33CD}"/>
-                  </a:ext>
-                </a:extLst>
-              </p:cNvPr>
-              <p:cNvSpPr txBox="1">
-                <a:spLocks noRot="1" noChangeAspect="1" noMove="1" noResize="1" noEditPoints="1" noAdjustHandles="1" noChangeArrowheads="1" noChangeShapeType="1" noTextEdit="1"/>
-              </p:cNvSpPr>
-              <p:nvPr/>
-            </p:nvSpPr>
-            <p:spPr>
-              <a:xfrm>
-                <a:off x="1088136" y="2193946"/>
-                <a:ext cx="4557290" cy="1200329"/>
-              </a:xfrm>
-              <a:prstGeom prst="rect">
-                <a:avLst/>
-              </a:prstGeom>
-              <a:blipFill>
-                <a:blip r:embed="rId5"/>
-                <a:stretch>
-                  <a:fillRect l="-937" t="-3046" b="-7107"/>
-                </a:stretch>
-              </a:blipFill>
-            </p:spPr>
-            <p:txBody>
-              <a:bodyPr/>
-              <a:lstStyle/>
-              <a:p>
-                <a:r>
-                  <a:rPr lang="en-US">
-                    <a:noFill/>
-                  </a:rPr>
-                  <a:t> </a:t>
-                </a:r>
-              </a:p>
-            </p:txBody>
-          </p:sp>
-        </mc:Fallback>
-      </mc:AlternateContent>
     </p:spTree>
     <p:extLst>
       <p:ext uri="{BB962C8B-B14F-4D97-AF65-F5344CB8AC3E}">
-        <p14:creationId xmlns:p14="http://schemas.microsoft.com/office/powerpoint/2010/main" val="987412155"/>
+        <p14:creationId xmlns:p14="http://schemas.microsoft.com/office/powerpoint/2010/main" val="3891450651"/>
       </p:ext>
     </p:extLst>
   </p:cSld>
@@ -11301,6 +13058,15 @@
 </file>
 
 <file path=customXml/item1.xml><?xml version="1.0" encoding="utf-8"?>
+<?mso-contentType ?>
+<FormTemplates xmlns="http://schemas.microsoft.com/sharepoint/v3/contenttype/forms">
+  <Display>DocumentLibraryForm</Display>
+  <Edit>DocumentLibraryForm</Edit>
+  <New>DocumentLibraryForm</New>
+</FormTemplates>
+</file>
+
+<file path=customXml/item2.xml><?xml version="1.0" encoding="utf-8"?>
 <ct:contentTypeSchema xmlns:ct="http://schemas.microsoft.com/office/2006/metadata/contentType" xmlns:ma="http://schemas.microsoft.com/office/2006/metadata/properties/metaAttributes" ct:_="" ma:_="" ma:contentTypeName="Document" ma:contentTypeID="0x010100344BBD6C06A0DE48ACBAB514EB50DDDC" ma:contentTypeVersion="15" ma:contentTypeDescription="Create a new document." ma:contentTypeScope="" ma:versionID="e411f08a2840eb4c2c659d48e130b1c1">
   <xsd:schema xmlns:xsd="http://www.w3.org/2001/XMLSchema" xmlns:xs="http://www.w3.org/2001/XMLSchema" xmlns:p="http://schemas.microsoft.com/office/2006/metadata/properties" xmlns:ns3="f32230bf-e247-430b-8132-dda84b672e09" xmlns:ns4="63dba08a-eb68-4688-8594-69aeae0aec6b" targetNamespace="http://schemas.microsoft.com/office/2006/metadata/properties" ma:root="true" ma:fieldsID="c0124a76df93d5d422ba5e331c68b4b9" ns3:_="" ns4:_="">
     <xsd:import namespace="f32230bf-e247-430b-8132-dda84b672e09"/>
@@ -11533,15 +13299,6 @@
 </ct:contentTypeSchema>
 </file>
 
-<file path=customXml/item2.xml><?xml version="1.0" encoding="utf-8"?>
-<?mso-contentType ?>
-<FormTemplates xmlns="http://schemas.microsoft.com/sharepoint/v3/contenttype/forms">
-  <Display>DocumentLibraryForm</Display>
-  <Edit>DocumentLibraryForm</Edit>
-  <New>DocumentLibraryForm</New>
-</FormTemplates>
-</file>
-
 <file path=customXml/item3.xml><?xml version="1.0" encoding="utf-8"?>
 <p:properties xmlns:p="http://schemas.microsoft.com/office/2006/metadata/properties" xmlns:xsi="http://www.w3.org/2001/XMLSchema-instance" xmlns:pc="http://schemas.microsoft.com/office/infopath/2007/PartnerControls">
   <documentManagement>
@@ -11551,6 +13308,14 @@
 </file>
 
 <file path=customXml/itemProps1.xml><?xml version="1.0" encoding="utf-8"?>
+<ds:datastoreItem xmlns:ds="http://schemas.openxmlformats.org/officeDocument/2006/customXml" ds:itemID="{1F9B8160-C1C6-4E12-902A-6A06E8B787CD}">
+  <ds:schemaRefs>
+    <ds:schemaRef ds:uri="http://schemas.microsoft.com/sharepoint/v3/contenttype/forms"/>
+  </ds:schemaRefs>
+</ds:datastoreItem>
+</file>
+
+<file path=customXml/itemProps2.xml><?xml version="1.0" encoding="utf-8"?>
 <ds:datastoreItem xmlns:ds="http://schemas.openxmlformats.org/officeDocument/2006/customXml" ds:itemID="{0DC6942C-5FA6-44C0-95FC-C76C51F471B0}">
   <ds:schemaRefs>
     <ds:schemaRef ds:uri="http://schemas.microsoft.com/office/2006/metadata/contentType"/>
@@ -11565,14 +13330,6 @@
     <ds:schemaRef ds:uri="http://purl.org/dc/elements/1.1/"/>
     <ds:schemaRef ds:uri="http://purl.org/dc/terms/"/>
     <ds:schemaRef ds:uri="http://schemas.microsoft.com/internal/obd"/>
-  </ds:schemaRefs>
-</ds:datastoreItem>
-</file>
-
-<file path=customXml/itemProps2.xml><?xml version="1.0" encoding="utf-8"?>
-<ds:datastoreItem xmlns:ds="http://schemas.openxmlformats.org/officeDocument/2006/customXml" ds:itemID="{1F9B8160-C1C6-4E12-902A-6A06E8B787CD}">
-  <ds:schemaRefs>
-    <ds:schemaRef ds:uri="http://schemas.microsoft.com/sharepoint/v3/contenttype/forms"/>
   </ds:schemaRefs>
 </ds:datastoreItem>
 </file>
